--- a/Complejidad Ciclomatica Triangulo.pptx
+++ b/Complejidad Ciclomatica Triangulo.pptx
@@ -4,9 +4,14 @@
   <p:sldMasterIdLst>
     <p:sldMasterId id="2147483660" r:id="rId1"/>
   </p:sldMasterIdLst>
+  <p:notesMasterIdLst>
+    <p:notesMasterId r:id="rId6"/>
+  </p:notesMasterIdLst>
   <p:sldIdLst>
     <p:sldId id="256" r:id="rId2"/>
-    <p:sldId id="257" r:id="rId3"/>
+    <p:sldId id="258" r:id="rId3"/>
+    <p:sldId id="259" r:id="rId4"/>
+    <p:sldId id="257" r:id="rId5"/>
   </p:sldIdLst>
   <p:sldSz cx="9144000" cy="6858000" type="screen4x3"/>
   <p:notesSz cx="6858000" cy="9144000"/>
@@ -115,6 +120,8 @@
         </p14:section>
         <p14:section name="Sección sin título" id="{80F82A12-5417-4CB5-9A78-6DF26A755477}">
           <p14:sldIdLst>
+            <p14:sldId id="258"/>
+            <p14:sldId id="259"/>
             <p14:sldId id="257"/>
           </p14:sldIdLst>
         </p14:section>
@@ -125,6 +132,440 @@
     </p:ext>
   </p:extLst>
 </p:presentation>
+</file>
+
+<file path=ppt/notesMasters/notesMaster1.xml><?xml version="1.0" encoding="utf-8"?>
+<p:notesMaster xmlns:a="http://schemas.openxmlformats.org/drawingml/2006/main" xmlns:r="http://schemas.openxmlformats.org/officeDocument/2006/relationships" xmlns:p="http://schemas.openxmlformats.org/presentationml/2006/main">
+  <p:cSld>
+    <p:bg>
+      <p:bgRef idx="1001">
+        <a:schemeClr val="bg1"/>
+      </p:bgRef>
+    </p:bg>
+    <p:spTree>
+      <p:nvGrpSpPr>
+        <p:cNvPr id="1" name=""/>
+        <p:cNvGrpSpPr/>
+        <p:nvPr/>
+      </p:nvGrpSpPr>
+      <p:grpSpPr>
+        <a:xfrm>
+          <a:off x="0" y="0"/>
+          <a:ext cx="0" cy="0"/>
+          <a:chOff x="0" y="0"/>
+          <a:chExt cx="0" cy="0"/>
+        </a:xfrm>
+      </p:grpSpPr>
+      <p:sp>
+        <p:nvSpPr>
+          <p:cNvPr id="2" name="Marcador de encabezado 1"/>
+          <p:cNvSpPr>
+            <a:spLocks noGrp="1"/>
+          </p:cNvSpPr>
+          <p:nvPr>
+            <p:ph type="hdr" sz="quarter"/>
+          </p:nvPr>
+        </p:nvSpPr>
+        <p:spPr>
+          <a:xfrm>
+            <a:off x="0" y="0"/>
+            <a:ext cx="2971800" cy="458788"/>
+          </a:xfrm>
+          <a:prstGeom prst="rect">
+            <a:avLst/>
+          </a:prstGeom>
+        </p:spPr>
+        <p:txBody>
+          <a:bodyPr vert="horz" lIns="91440" tIns="45720" rIns="91440" bIns="45720" rtlCol="0"/>
+          <a:lstStyle>
+            <a:lvl1pPr algn="l">
+              <a:defRPr sz="1200"/>
+            </a:lvl1pPr>
+          </a:lstStyle>
+          <a:p>
+            <a:endParaRPr lang="es-AR"/>
+          </a:p>
+        </p:txBody>
+      </p:sp>
+      <p:sp>
+        <p:nvSpPr>
+          <p:cNvPr id="3" name="Marcador de fecha 2"/>
+          <p:cNvSpPr>
+            <a:spLocks noGrp="1"/>
+          </p:cNvSpPr>
+          <p:nvPr>
+            <p:ph type="dt" idx="1"/>
+          </p:nvPr>
+        </p:nvSpPr>
+        <p:spPr>
+          <a:xfrm>
+            <a:off x="3884613" y="0"/>
+            <a:ext cx="2971800" cy="458788"/>
+          </a:xfrm>
+          <a:prstGeom prst="rect">
+            <a:avLst/>
+          </a:prstGeom>
+        </p:spPr>
+        <p:txBody>
+          <a:bodyPr vert="horz" lIns="91440" tIns="45720" rIns="91440" bIns="45720" rtlCol="0"/>
+          <a:lstStyle>
+            <a:lvl1pPr algn="r">
+              <a:defRPr sz="1200"/>
+            </a:lvl1pPr>
+          </a:lstStyle>
+          <a:p>
+            <a:fld id="{6D2C6710-438B-4332-B97D-2FD4458EAA24}" type="datetimeFigureOut">
+              <a:rPr lang="es-AR" smtClean="0"/>
+              <a:t>16/9/2018</a:t>
+            </a:fld>
+            <a:endParaRPr lang="es-AR"/>
+          </a:p>
+        </p:txBody>
+      </p:sp>
+      <p:sp>
+        <p:nvSpPr>
+          <p:cNvPr id="4" name="Marcador de imagen de diapositiva 3"/>
+          <p:cNvSpPr>
+            <a:spLocks noGrp="1" noRot="1" noChangeAspect="1"/>
+          </p:cNvSpPr>
+          <p:nvPr>
+            <p:ph type="sldImg" idx="2"/>
+          </p:nvPr>
+        </p:nvSpPr>
+        <p:spPr>
+          <a:xfrm>
+            <a:off x="1371600" y="1143000"/>
+            <a:ext cx="4114800" cy="3086100"/>
+          </a:xfrm>
+          <a:prstGeom prst="rect">
+            <a:avLst/>
+          </a:prstGeom>
+          <a:noFill/>
+          <a:ln w="12700">
+            <a:solidFill>
+              <a:prstClr val="black"/>
+            </a:solidFill>
+          </a:ln>
+        </p:spPr>
+        <p:txBody>
+          <a:bodyPr vert="horz" lIns="91440" tIns="45720" rIns="91440" bIns="45720" rtlCol="0" anchor="ctr"/>
+          <a:lstStyle/>
+          <a:p>
+            <a:endParaRPr lang="es-AR"/>
+          </a:p>
+        </p:txBody>
+      </p:sp>
+      <p:sp>
+        <p:nvSpPr>
+          <p:cNvPr id="5" name="Marcador de notas 4"/>
+          <p:cNvSpPr>
+            <a:spLocks noGrp="1"/>
+          </p:cNvSpPr>
+          <p:nvPr>
+            <p:ph type="body" sz="quarter" idx="3"/>
+          </p:nvPr>
+        </p:nvSpPr>
+        <p:spPr>
+          <a:xfrm>
+            <a:off x="685800" y="4400550"/>
+            <a:ext cx="5486400" cy="3600450"/>
+          </a:xfrm>
+          <a:prstGeom prst="rect">
+            <a:avLst/>
+          </a:prstGeom>
+        </p:spPr>
+        <p:txBody>
+          <a:bodyPr vert="horz" lIns="91440" tIns="45720" rIns="91440" bIns="45720" rtlCol="0"/>
+          <a:lstStyle/>
+          <a:p>
+            <a:pPr lvl="0"/>
+            <a:r>
+              <a:rPr lang="es-ES" smtClean="0"/>
+              <a:t>Haga clic para modificar el estilo de texto del patrón</a:t>
+            </a:r>
+          </a:p>
+          <a:p>
+            <a:pPr lvl="1"/>
+            <a:r>
+              <a:rPr lang="es-ES" smtClean="0"/>
+              <a:t>Segundo nivel</a:t>
+            </a:r>
+          </a:p>
+          <a:p>
+            <a:pPr lvl="2"/>
+            <a:r>
+              <a:rPr lang="es-ES" smtClean="0"/>
+              <a:t>Tercer nivel</a:t>
+            </a:r>
+          </a:p>
+          <a:p>
+            <a:pPr lvl="3"/>
+            <a:r>
+              <a:rPr lang="es-ES" smtClean="0"/>
+              <a:t>Cuarto nivel</a:t>
+            </a:r>
+          </a:p>
+          <a:p>
+            <a:pPr lvl="4"/>
+            <a:r>
+              <a:rPr lang="es-ES" smtClean="0"/>
+              <a:t>Quinto nivel</a:t>
+            </a:r>
+            <a:endParaRPr lang="es-AR"/>
+          </a:p>
+        </p:txBody>
+      </p:sp>
+      <p:sp>
+        <p:nvSpPr>
+          <p:cNvPr id="6" name="Marcador de pie de página 5"/>
+          <p:cNvSpPr>
+            <a:spLocks noGrp="1"/>
+          </p:cNvSpPr>
+          <p:nvPr>
+            <p:ph type="ftr" sz="quarter" idx="4"/>
+          </p:nvPr>
+        </p:nvSpPr>
+        <p:spPr>
+          <a:xfrm>
+            <a:off x="0" y="8685213"/>
+            <a:ext cx="2971800" cy="458787"/>
+          </a:xfrm>
+          <a:prstGeom prst="rect">
+            <a:avLst/>
+          </a:prstGeom>
+        </p:spPr>
+        <p:txBody>
+          <a:bodyPr vert="horz" lIns="91440" tIns="45720" rIns="91440" bIns="45720" rtlCol="0" anchor="b"/>
+          <a:lstStyle>
+            <a:lvl1pPr algn="l">
+              <a:defRPr sz="1200"/>
+            </a:lvl1pPr>
+          </a:lstStyle>
+          <a:p>
+            <a:endParaRPr lang="es-AR"/>
+          </a:p>
+        </p:txBody>
+      </p:sp>
+      <p:sp>
+        <p:nvSpPr>
+          <p:cNvPr id="7" name="Marcador de número de diapositiva 6"/>
+          <p:cNvSpPr>
+            <a:spLocks noGrp="1"/>
+          </p:cNvSpPr>
+          <p:nvPr>
+            <p:ph type="sldNum" sz="quarter" idx="5"/>
+          </p:nvPr>
+        </p:nvSpPr>
+        <p:spPr>
+          <a:xfrm>
+            <a:off x="3884613" y="8685213"/>
+            <a:ext cx="2971800" cy="458787"/>
+          </a:xfrm>
+          <a:prstGeom prst="rect">
+            <a:avLst/>
+          </a:prstGeom>
+        </p:spPr>
+        <p:txBody>
+          <a:bodyPr vert="horz" lIns="91440" tIns="45720" rIns="91440" bIns="45720" rtlCol="0" anchor="b"/>
+          <a:lstStyle>
+            <a:lvl1pPr algn="r">
+              <a:defRPr sz="1200"/>
+            </a:lvl1pPr>
+          </a:lstStyle>
+          <a:p>
+            <a:fld id="{2E5A9810-4C1E-4CD1-9EF1-4A842B0282A9}" type="slidenum">
+              <a:rPr lang="es-AR" smtClean="0"/>
+              <a:t>‹Nº›</a:t>
+            </a:fld>
+            <a:endParaRPr lang="es-AR"/>
+          </a:p>
+        </p:txBody>
+      </p:sp>
+    </p:spTree>
+    <p:extLst>
+      <p:ext uri="{BB962C8B-B14F-4D97-AF65-F5344CB8AC3E}">
+        <p14:creationId xmlns:p14="http://schemas.microsoft.com/office/powerpoint/2010/main" val="4011032946"/>
+      </p:ext>
+    </p:extLst>
+  </p:cSld>
+  <p:clrMap bg1="lt1" tx1="dk1" bg2="lt2" tx2="dk2" accent1="accent1" accent2="accent2" accent3="accent3" accent4="accent4" accent5="accent5" accent6="accent6" hlink="hlink" folHlink="folHlink"/>
+  <p:notesStyle>
+    <a:lvl1pPr marL="0" algn="l" defTabSz="914400" rtl="0" eaLnBrk="1" latinLnBrk="0" hangingPunct="1">
+      <a:defRPr sz="1200" kern="1200">
+        <a:solidFill>
+          <a:schemeClr val="tx1"/>
+        </a:solidFill>
+        <a:latin typeface="+mn-lt"/>
+        <a:ea typeface="+mn-ea"/>
+        <a:cs typeface="+mn-cs"/>
+      </a:defRPr>
+    </a:lvl1pPr>
+    <a:lvl2pPr marL="457200" algn="l" defTabSz="914400" rtl="0" eaLnBrk="1" latinLnBrk="0" hangingPunct="1">
+      <a:defRPr sz="1200" kern="1200">
+        <a:solidFill>
+          <a:schemeClr val="tx1"/>
+        </a:solidFill>
+        <a:latin typeface="+mn-lt"/>
+        <a:ea typeface="+mn-ea"/>
+        <a:cs typeface="+mn-cs"/>
+      </a:defRPr>
+    </a:lvl2pPr>
+    <a:lvl3pPr marL="914400" algn="l" defTabSz="914400" rtl="0" eaLnBrk="1" latinLnBrk="0" hangingPunct="1">
+      <a:defRPr sz="1200" kern="1200">
+        <a:solidFill>
+          <a:schemeClr val="tx1"/>
+        </a:solidFill>
+        <a:latin typeface="+mn-lt"/>
+        <a:ea typeface="+mn-ea"/>
+        <a:cs typeface="+mn-cs"/>
+      </a:defRPr>
+    </a:lvl3pPr>
+    <a:lvl4pPr marL="1371600" algn="l" defTabSz="914400" rtl="0" eaLnBrk="1" latinLnBrk="0" hangingPunct="1">
+      <a:defRPr sz="1200" kern="1200">
+        <a:solidFill>
+          <a:schemeClr val="tx1"/>
+        </a:solidFill>
+        <a:latin typeface="+mn-lt"/>
+        <a:ea typeface="+mn-ea"/>
+        <a:cs typeface="+mn-cs"/>
+      </a:defRPr>
+    </a:lvl4pPr>
+    <a:lvl5pPr marL="1828800" algn="l" defTabSz="914400" rtl="0" eaLnBrk="1" latinLnBrk="0" hangingPunct="1">
+      <a:defRPr sz="1200" kern="1200">
+        <a:solidFill>
+          <a:schemeClr val="tx1"/>
+        </a:solidFill>
+        <a:latin typeface="+mn-lt"/>
+        <a:ea typeface="+mn-ea"/>
+        <a:cs typeface="+mn-cs"/>
+      </a:defRPr>
+    </a:lvl5pPr>
+    <a:lvl6pPr marL="2286000" algn="l" defTabSz="914400" rtl="0" eaLnBrk="1" latinLnBrk="0" hangingPunct="1">
+      <a:defRPr sz="1200" kern="1200">
+        <a:solidFill>
+          <a:schemeClr val="tx1"/>
+        </a:solidFill>
+        <a:latin typeface="+mn-lt"/>
+        <a:ea typeface="+mn-ea"/>
+        <a:cs typeface="+mn-cs"/>
+      </a:defRPr>
+    </a:lvl6pPr>
+    <a:lvl7pPr marL="2743200" algn="l" defTabSz="914400" rtl="0" eaLnBrk="1" latinLnBrk="0" hangingPunct="1">
+      <a:defRPr sz="1200" kern="1200">
+        <a:solidFill>
+          <a:schemeClr val="tx1"/>
+        </a:solidFill>
+        <a:latin typeface="+mn-lt"/>
+        <a:ea typeface="+mn-ea"/>
+        <a:cs typeface="+mn-cs"/>
+      </a:defRPr>
+    </a:lvl7pPr>
+    <a:lvl8pPr marL="3200400" algn="l" defTabSz="914400" rtl="0" eaLnBrk="1" latinLnBrk="0" hangingPunct="1">
+      <a:defRPr sz="1200" kern="1200">
+        <a:solidFill>
+          <a:schemeClr val="tx1"/>
+        </a:solidFill>
+        <a:latin typeface="+mn-lt"/>
+        <a:ea typeface="+mn-ea"/>
+        <a:cs typeface="+mn-cs"/>
+      </a:defRPr>
+    </a:lvl8pPr>
+    <a:lvl9pPr marL="3657600" algn="l" defTabSz="914400" rtl="0" eaLnBrk="1" latinLnBrk="0" hangingPunct="1">
+      <a:defRPr sz="1200" kern="1200">
+        <a:solidFill>
+          <a:schemeClr val="tx1"/>
+        </a:solidFill>
+        <a:latin typeface="+mn-lt"/>
+        <a:ea typeface="+mn-ea"/>
+        <a:cs typeface="+mn-cs"/>
+      </a:defRPr>
+    </a:lvl9pPr>
+  </p:notesStyle>
+</p:notesMaster>
+</file>
+
+<file path=ppt/notesSlides/notesSlide1.xml><?xml version="1.0" encoding="utf-8"?>
+<p:notes xmlns:a="http://schemas.openxmlformats.org/drawingml/2006/main" xmlns:r="http://schemas.openxmlformats.org/officeDocument/2006/relationships" xmlns:p="http://schemas.openxmlformats.org/presentationml/2006/main">
+  <p:cSld>
+    <p:spTree>
+      <p:nvGrpSpPr>
+        <p:cNvPr id="1" name=""/>
+        <p:cNvGrpSpPr/>
+        <p:nvPr/>
+      </p:nvGrpSpPr>
+      <p:grpSpPr>
+        <a:xfrm>
+          <a:off x="0" y="0"/>
+          <a:ext cx="0" cy="0"/>
+          <a:chOff x="0" y="0"/>
+          <a:chExt cx="0" cy="0"/>
+        </a:xfrm>
+      </p:grpSpPr>
+      <p:sp>
+        <p:nvSpPr>
+          <p:cNvPr id="2" name="Marcador de imagen de diapositiva 1"/>
+          <p:cNvSpPr>
+            <a:spLocks noGrp="1" noRot="1" noChangeAspect="1"/>
+          </p:cNvSpPr>
+          <p:nvPr>
+            <p:ph type="sldImg"/>
+          </p:nvPr>
+        </p:nvSpPr>
+        <p:spPr/>
+      </p:sp>
+      <p:sp>
+        <p:nvSpPr>
+          <p:cNvPr id="3" name="Marcador de notas 2"/>
+          <p:cNvSpPr>
+            <a:spLocks noGrp="1"/>
+          </p:cNvSpPr>
+          <p:nvPr>
+            <p:ph type="body" idx="1"/>
+          </p:nvPr>
+        </p:nvSpPr>
+        <p:spPr/>
+        <p:txBody>
+          <a:bodyPr/>
+          <a:lstStyle/>
+          <a:p>
+            <a:endParaRPr lang="es-AR"/>
+          </a:p>
+        </p:txBody>
+      </p:sp>
+      <p:sp>
+        <p:nvSpPr>
+          <p:cNvPr id="4" name="Marcador de número de diapositiva 3"/>
+          <p:cNvSpPr>
+            <a:spLocks noGrp="1"/>
+          </p:cNvSpPr>
+          <p:nvPr>
+            <p:ph type="sldNum" sz="quarter" idx="10"/>
+          </p:nvPr>
+        </p:nvSpPr>
+        <p:spPr/>
+        <p:txBody>
+          <a:bodyPr/>
+          <a:lstStyle/>
+          <a:p>
+            <a:fld id="{2E5A9810-4C1E-4CD1-9EF1-4A842B0282A9}" type="slidenum">
+              <a:rPr lang="es-AR" smtClean="0"/>
+              <a:t>3</a:t>
+            </a:fld>
+            <a:endParaRPr lang="es-AR"/>
+          </a:p>
+        </p:txBody>
+      </p:sp>
+    </p:spTree>
+    <p:extLst>
+      <p:ext uri="{BB962C8B-B14F-4D97-AF65-F5344CB8AC3E}">
+        <p14:creationId xmlns:p14="http://schemas.microsoft.com/office/powerpoint/2010/main" val="278992009"/>
+      </p:ext>
+    </p:extLst>
+  </p:cSld>
+  <p:clrMapOvr>
+    <a:masterClrMapping/>
+  </p:clrMapOvr>
+</p:notes>
 </file>
 
 <file path=ppt/slideLayouts/slideLayout1.xml><?xml version="1.0" encoding="utf-8"?>
@@ -258,7 +699,7 @@
           <a:p>
             <a:fld id="{1259EB10-FC57-4C03-B327-035A53E7A135}" type="datetimeFigureOut">
               <a:rPr lang="es-AR" smtClean="0"/>
-              <a:t>11/09/2018</a:t>
+              <a:t>15/9/2018</a:t>
             </a:fld>
             <a:endParaRPr lang="es-AR"/>
           </a:p>
@@ -428,7 +869,7 @@
           <a:p>
             <a:fld id="{1259EB10-FC57-4C03-B327-035A53E7A135}" type="datetimeFigureOut">
               <a:rPr lang="es-AR" smtClean="0"/>
-              <a:t>11/09/2018</a:t>
+              <a:t>15/9/2018</a:t>
             </a:fld>
             <a:endParaRPr lang="es-AR"/>
           </a:p>
@@ -608,7 +1049,7 @@
           <a:p>
             <a:fld id="{1259EB10-FC57-4C03-B327-035A53E7A135}" type="datetimeFigureOut">
               <a:rPr lang="es-AR" smtClean="0"/>
-              <a:t>11/09/2018</a:t>
+              <a:t>15/9/2018</a:t>
             </a:fld>
             <a:endParaRPr lang="es-AR"/>
           </a:p>
@@ -778,7 +1219,7 @@
           <a:p>
             <a:fld id="{1259EB10-FC57-4C03-B327-035A53E7A135}" type="datetimeFigureOut">
               <a:rPr lang="es-AR" smtClean="0"/>
-              <a:t>11/09/2018</a:t>
+              <a:t>15/9/2018</a:t>
             </a:fld>
             <a:endParaRPr lang="es-AR"/>
           </a:p>
@@ -1022,7 +1463,7 @@
           <a:p>
             <a:fld id="{1259EB10-FC57-4C03-B327-035A53E7A135}" type="datetimeFigureOut">
               <a:rPr lang="es-AR" smtClean="0"/>
-              <a:t>11/09/2018</a:t>
+              <a:t>15/9/2018</a:t>
             </a:fld>
             <a:endParaRPr lang="es-AR"/>
           </a:p>
@@ -1254,7 +1695,7 @@
           <a:p>
             <a:fld id="{1259EB10-FC57-4C03-B327-035A53E7A135}" type="datetimeFigureOut">
               <a:rPr lang="es-AR" smtClean="0"/>
-              <a:t>11/09/2018</a:t>
+              <a:t>15/9/2018</a:t>
             </a:fld>
             <a:endParaRPr lang="es-AR"/>
           </a:p>
@@ -1621,7 +2062,7 @@
           <a:p>
             <a:fld id="{1259EB10-FC57-4C03-B327-035A53E7A135}" type="datetimeFigureOut">
               <a:rPr lang="es-AR" smtClean="0"/>
-              <a:t>11/09/2018</a:t>
+              <a:t>15/9/2018</a:t>
             </a:fld>
             <a:endParaRPr lang="es-AR"/>
           </a:p>
@@ -1739,7 +2180,7 @@
           <a:p>
             <a:fld id="{1259EB10-FC57-4C03-B327-035A53E7A135}" type="datetimeFigureOut">
               <a:rPr lang="es-AR" smtClean="0"/>
-              <a:t>11/09/2018</a:t>
+              <a:t>15/9/2018</a:t>
             </a:fld>
             <a:endParaRPr lang="es-AR"/>
           </a:p>
@@ -1834,7 +2275,7 @@
           <a:p>
             <a:fld id="{1259EB10-FC57-4C03-B327-035A53E7A135}" type="datetimeFigureOut">
               <a:rPr lang="es-AR" smtClean="0"/>
-              <a:t>11/09/2018</a:t>
+              <a:t>15/9/2018</a:t>
             </a:fld>
             <a:endParaRPr lang="es-AR"/>
           </a:p>
@@ -2111,7 +2552,7 @@
           <a:p>
             <a:fld id="{1259EB10-FC57-4C03-B327-035A53E7A135}" type="datetimeFigureOut">
               <a:rPr lang="es-AR" smtClean="0"/>
-              <a:t>11/09/2018</a:t>
+              <a:t>15/9/2018</a:t>
             </a:fld>
             <a:endParaRPr lang="es-AR"/>
           </a:p>
@@ -2368,7 +2809,7 @@
           <a:p>
             <a:fld id="{1259EB10-FC57-4C03-B327-035A53E7A135}" type="datetimeFigureOut">
               <a:rPr lang="es-AR" smtClean="0"/>
-              <a:t>11/09/2018</a:t>
+              <a:t>15/9/2018</a:t>
             </a:fld>
             <a:endParaRPr lang="es-AR"/>
           </a:p>
@@ -2581,7 +3022,7 @@
           <a:p>
             <a:fld id="{1259EB10-FC57-4C03-B327-035A53E7A135}" type="datetimeFigureOut">
               <a:rPr lang="es-AR" smtClean="0"/>
-              <a:t>11/09/2018</a:t>
+              <a:t>15/9/2018</a:t>
             </a:fld>
             <a:endParaRPr lang="es-AR"/>
           </a:p>
@@ -2991,7 +3432,7 @@
           <p:cNvPr id="12" name="Diagrama de flujo: conector 11">
             <a:extLst>
               <a:ext uri="{FF2B5EF4-FFF2-40B4-BE49-F238E27FC236}">
-                <a16:creationId xmlns:a16="http://schemas.microsoft.com/office/drawing/2014/main" id="{C07E034C-B5EE-4D5E-B551-690252C04895}"/>
+                <a16:creationId xmlns:a16="http://schemas.microsoft.com/office/drawing/2014/main" xmlns="" id="{C07E034C-B5EE-4D5E-B551-690252C04895}"/>
               </a:ext>
             </a:extLst>
           </p:cNvPr>
@@ -3053,7 +3494,7 @@
           <p:cNvPr id="13" name="Diagrama de flujo: conector 12">
             <a:extLst>
               <a:ext uri="{FF2B5EF4-FFF2-40B4-BE49-F238E27FC236}">
-                <a16:creationId xmlns:a16="http://schemas.microsoft.com/office/drawing/2014/main" id="{19A7BB2B-A4D8-41FF-86E4-C4B33628906A}"/>
+                <a16:creationId xmlns:a16="http://schemas.microsoft.com/office/drawing/2014/main" xmlns="" id="{19A7BB2B-A4D8-41FF-86E4-C4B33628906A}"/>
               </a:ext>
             </a:extLst>
           </p:cNvPr>
@@ -3115,7 +3556,7 @@
           <p:cNvPr id="14" name="Diagrama de flujo: conector 13">
             <a:extLst>
               <a:ext uri="{FF2B5EF4-FFF2-40B4-BE49-F238E27FC236}">
-                <a16:creationId xmlns:a16="http://schemas.microsoft.com/office/drawing/2014/main" id="{15F2E4A4-6AAC-4A5B-AC64-D2B022D1BC2B}"/>
+                <a16:creationId xmlns:a16="http://schemas.microsoft.com/office/drawing/2014/main" xmlns="" id="{15F2E4A4-6AAC-4A5B-AC64-D2B022D1BC2B}"/>
               </a:ext>
             </a:extLst>
           </p:cNvPr>
@@ -3177,7 +3618,7 @@
           <p:cNvPr id="15" name="Diagrama de flujo: conector 14">
             <a:extLst>
               <a:ext uri="{FF2B5EF4-FFF2-40B4-BE49-F238E27FC236}">
-                <a16:creationId xmlns:a16="http://schemas.microsoft.com/office/drawing/2014/main" id="{FD04720A-8CFC-4EF1-ACCC-952499DD98F3}"/>
+                <a16:creationId xmlns:a16="http://schemas.microsoft.com/office/drawing/2014/main" xmlns="" id="{FD04720A-8CFC-4EF1-ACCC-952499DD98F3}"/>
               </a:ext>
             </a:extLst>
           </p:cNvPr>
@@ -3239,7 +3680,7 @@
           <p:cNvPr id="16" name="Diagrama de flujo: conector 15">
             <a:extLst>
               <a:ext uri="{FF2B5EF4-FFF2-40B4-BE49-F238E27FC236}">
-                <a16:creationId xmlns:a16="http://schemas.microsoft.com/office/drawing/2014/main" id="{BEB68F6B-6417-46F7-BD84-78DA64505F48}"/>
+                <a16:creationId xmlns:a16="http://schemas.microsoft.com/office/drawing/2014/main" xmlns="" id="{BEB68F6B-6417-46F7-BD84-78DA64505F48}"/>
               </a:ext>
             </a:extLst>
           </p:cNvPr>
@@ -3301,7 +3742,7 @@
           <p:cNvPr id="17" name="Diagrama de flujo: conector 16">
             <a:extLst>
               <a:ext uri="{FF2B5EF4-FFF2-40B4-BE49-F238E27FC236}">
-                <a16:creationId xmlns:a16="http://schemas.microsoft.com/office/drawing/2014/main" id="{B0D86F5D-9096-424A-B353-613D9B2700FF}"/>
+                <a16:creationId xmlns:a16="http://schemas.microsoft.com/office/drawing/2014/main" xmlns="" id="{B0D86F5D-9096-424A-B353-613D9B2700FF}"/>
               </a:ext>
             </a:extLst>
           </p:cNvPr>
@@ -3363,7 +3804,7 @@
           <p:cNvPr id="18" name="Diagrama de flujo: conector 17">
             <a:extLst>
               <a:ext uri="{FF2B5EF4-FFF2-40B4-BE49-F238E27FC236}">
-                <a16:creationId xmlns:a16="http://schemas.microsoft.com/office/drawing/2014/main" id="{5013B220-AA5E-45E0-88BD-561C345EF024}"/>
+                <a16:creationId xmlns:a16="http://schemas.microsoft.com/office/drawing/2014/main" xmlns="" id="{5013B220-AA5E-45E0-88BD-561C345EF024}"/>
               </a:ext>
             </a:extLst>
           </p:cNvPr>
@@ -3425,7 +3866,7 @@
           <p:cNvPr id="19" name="Diagrama de flujo: conector 18">
             <a:extLst>
               <a:ext uri="{FF2B5EF4-FFF2-40B4-BE49-F238E27FC236}">
-                <a16:creationId xmlns:a16="http://schemas.microsoft.com/office/drawing/2014/main" id="{813E91EA-062C-439D-A943-3E0E634B9A72}"/>
+                <a16:creationId xmlns:a16="http://schemas.microsoft.com/office/drawing/2014/main" xmlns="" id="{813E91EA-062C-439D-A943-3E0E634B9A72}"/>
               </a:ext>
             </a:extLst>
           </p:cNvPr>
@@ -3487,7 +3928,7 @@
           <p:cNvPr id="20" name="Diagrama de flujo: conector 19">
             <a:extLst>
               <a:ext uri="{FF2B5EF4-FFF2-40B4-BE49-F238E27FC236}">
-                <a16:creationId xmlns:a16="http://schemas.microsoft.com/office/drawing/2014/main" id="{6C86E10D-C4D7-4099-861D-BC9E876C5DDF}"/>
+                <a16:creationId xmlns:a16="http://schemas.microsoft.com/office/drawing/2014/main" xmlns="" id="{6C86E10D-C4D7-4099-861D-BC9E876C5DDF}"/>
               </a:ext>
             </a:extLst>
           </p:cNvPr>
@@ -3549,7 +3990,7 @@
           <p:cNvPr id="21" name="Diagrama de flujo: conector 20">
             <a:extLst>
               <a:ext uri="{FF2B5EF4-FFF2-40B4-BE49-F238E27FC236}">
-                <a16:creationId xmlns:a16="http://schemas.microsoft.com/office/drawing/2014/main" id="{07AE0D68-367D-4CBC-AA3B-DA3A53F1F7B9}"/>
+                <a16:creationId xmlns:a16="http://schemas.microsoft.com/office/drawing/2014/main" xmlns="" id="{07AE0D68-367D-4CBC-AA3B-DA3A53F1F7B9}"/>
               </a:ext>
             </a:extLst>
           </p:cNvPr>
@@ -3611,7 +4052,7 @@
           <p:cNvPr id="22" name="Diagrama de flujo: conector 21">
             <a:extLst>
               <a:ext uri="{FF2B5EF4-FFF2-40B4-BE49-F238E27FC236}">
-                <a16:creationId xmlns:a16="http://schemas.microsoft.com/office/drawing/2014/main" id="{76F4E711-D924-4938-ADD6-95D94013436B}"/>
+                <a16:creationId xmlns:a16="http://schemas.microsoft.com/office/drawing/2014/main" xmlns="" id="{76F4E711-D924-4938-ADD6-95D94013436B}"/>
               </a:ext>
             </a:extLst>
           </p:cNvPr>
@@ -3673,7 +4114,7 @@
           <p:cNvPr id="23" name="Diagrama de flujo: conector 22">
             <a:extLst>
               <a:ext uri="{FF2B5EF4-FFF2-40B4-BE49-F238E27FC236}">
-                <a16:creationId xmlns:a16="http://schemas.microsoft.com/office/drawing/2014/main" id="{71A89DFB-2C59-4CC5-9490-3C2893F3FCF0}"/>
+                <a16:creationId xmlns:a16="http://schemas.microsoft.com/office/drawing/2014/main" xmlns="" id="{71A89DFB-2C59-4CC5-9490-3C2893F3FCF0}"/>
               </a:ext>
             </a:extLst>
           </p:cNvPr>
@@ -3735,7 +4176,7 @@
           <p:cNvPr id="24" name="Diagrama de flujo: conector 23">
             <a:extLst>
               <a:ext uri="{FF2B5EF4-FFF2-40B4-BE49-F238E27FC236}">
-                <a16:creationId xmlns:a16="http://schemas.microsoft.com/office/drawing/2014/main" id="{E5D094DC-F8AF-44E6-80E0-F10AA18F9DC0}"/>
+                <a16:creationId xmlns:a16="http://schemas.microsoft.com/office/drawing/2014/main" xmlns="" id="{E5D094DC-F8AF-44E6-80E0-F10AA18F9DC0}"/>
               </a:ext>
             </a:extLst>
           </p:cNvPr>
@@ -3797,7 +4238,7 @@
           <p:cNvPr id="25" name="Diagrama de flujo: conector 24">
             <a:extLst>
               <a:ext uri="{FF2B5EF4-FFF2-40B4-BE49-F238E27FC236}">
-                <a16:creationId xmlns:a16="http://schemas.microsoft.com/office/drawing/2014/main" id="{51083CBF-A6AC-45D9-9208-383BB1F59078}"/>
+                <a16:creationId xmlns:a16="http://schemas.microsoft.com/office/drawing/2014/main" xmlns="" id="{51083CBF-A6AC-45D9-9208-383BB1F59078}"/>
               </a:ext>
             </a:extLst>
           </p:cNvPr>
@@ -3859,7 +4300,7 @@
           <p:cNvPr id="26" name="Diagrama de flujo: conector 25">
             <a:extLst>
               <a:ext uri="{FF2B5EF4-FFF2-40B4-BE49-F238E27FC236}">
-                <a16:creationId xmlns:a16="http://schemas.microsoft.com/office/drawing/2014/main" id="{540D070A-426F-4CF9-8D88-8CBB269CE346}"/>
+                <a16:creationId xmlns:a16="http://schemas.microsoft.com/office/drawing/2014/main" xmlns="" id="{540D070A-426F-4CF9-8D88-8CBB269CE346}"/>
               </a:ext>
             </a:extLst>
           </p:cNvPr>
@@ -3921,7 +4362,7 @@
           <p:cNvPr id="27" name="Diagrama de flujo: conector 26">
             <a:extLst>
               <a:ext uri="{FF2B5EF4-FFF2-40B4-BE49-F238E27FC236}">
-                <a16:creationId xmlns:a16="http://schemas.microsoft.com/office/drawing/2014/main" id="{4C6C6771-4EC0-46F2-B6AC-1F06C1755180}"/>
+                <a16:creationId xmlns:a16="http://schemas.microsoft.com/office/drawing/2014/main" xmlns="" id="{4C6C6771-4EC0-46F2-B6AC-1F06C1755180}"/>
               </a:ext>
             </a:extLst>
           </p:cNvPr>
@@ -3983,7 +4424,7 @@
           <p:cNvPr id="28" name="Diagrama de flujo: conector 27">
             <a:extLst>
               <a:ext uri="{FF2B5EF4-FFF2-40B4-BE49-F238E27FC236}">
-                <a16:creationId xmlns:a16="http://schemas.microsoft.com/office/drawing/2014/main" id="{112BC36B-A668-4524-B419-569F8E40D574}"/>
+                <a16:creationId xmlns:a16="http://schemas.microsoft.com/office/drawing/2014/main" xmlns="" id="{112BC36B-A668-4524-B419-569F8E40D574}"/>
               </a:ext>
             </a:extLst>
           </p:cNvPr>
@@ -4045,7 +4486,7 @@
           <p:cNvPr id="30" name="Conector recto de flecha 29">
             <a:extLst>
               <a:ext uri="{FF2B5EF4-FFF2-40B4-BE49-F238E27FC236}">
-                <a16:creationId xmlns:a16="http://schemas.microsoft.com/office/drawing/2014/main" id="{C3E1304A-37F3-4ACD-8E93-FA054EA4A9A5}"/>
+                <a16:creationId xmlns:a16="http://schemas.microsoft.com/office/drawing/2014/main" xmlns="" id="{C3E1304A-37F3-4ACD-8E93-FA054EA4A9A5}"/>
               </a:ext>
             </a:extLst>
           </p:cNvPr>
@@ -4088,7 +4529,7 @@
           <p:cNvPr id="43" name="Conector recto de flecha 42">
             <a:extLst>
               <a:ext uri="{FF2B5EF4-FFF2-40B4-BE49-F238E27FC236}">
-                <a16:creationId xmlns:a16="http://schemas.microsoft.com/office/drawing/2014/main" id="{02919285-D95F-42BA-BD79-118B3886A74C}"/>
+                <a16:creationId xmlns:a16="http://schemas.microsoft.com/office/drawing/2014/main" xmlns="" id="{02919285-D95F-42BA-BD79-118B3886A74C}"/>
               </a:ext>
             </a:extLst>
           </p:cNvPr>
@@ -4131,7 +4572,7 @@
           <p:cNvPr id="45" name="Conector recto de flecha 44">
             <a:extLst>
               <a:ext uri="{FF2B5EF4-FFF2-40B4-BE49-F238E27FC236}">
-                <a16:creationId xmlns:a16="http://schemas.microsoft.com/office/drawing/2014/main" id="{F9734440-5F22-439D-8A24-58206D729632}"/>
+                <a16:creationId xmlns:a16="http://schemas.microsoft.com/office/drawing/2014/main" xmlns="" id="{F9734440-5F22-439D-8A24-58206D729632}"/>
               </a:ext>
             </a:extLst>
           </p:cNvPr>
@@ -4174,7 +4615,7 @@
           <p:cNvPr id="47" name="Conector recto de flecha 46">
             <a:extLst>
               <a:ext uri="{FF2B5EF4-FFF2-40B4-BE49-F238E27FC236}">
-                <a16:creationId xmlns:a16="http://schemas.microsoft.com/office/drawing/2014/main" id="{B353D101-3D0D-4D7E-9CED-0CC7BEB06A46}"/>
+                <a16:creationId xmlns:a16="http://schemas.microsoft.com/office/drawing/2014/main" xmlns="" id="{B353D101-3D0D-4D7E-9CED-0CC7BEB06A46}"/>
               </a:ext>
             </a:extLst>
           </p:cNvPr>
@@ -4217,7 +4658,7 @@
           <p:cNvPr id="49" name="Conector recto de flecha 48">
             <a:extLst>
               <a:ext uri="{FF2B5EF4-FFF2-40B4-BE49-F238E27FC236}">
-                <a16:creationId xmlns:a16="http://schemas.microsoft.com/office/drawing/2014/main" id="{2BF7E59F-C234-4FBD-8AC7-513A74AA3630}"/>
+                <a16:creationId xmlns:a16="http://schemas.microsoft.com/office/drawing/2014/main" xmlns="" id="{2BF7E59F-C234-4FBD-8AC7-513A74AA3630}"/>
               </a:ext>
             </a:extLst>
           </p:cNvPr>
@@ -4260,7 +4701,7 @@
           <p:cNvPr id="51" name="Conector recto de flecha 50">
             <a:extLst>
               <a:ext uri="{FF2B5EF4-FFF2-40B4-BE49-F238E27FC236}">
-                <a16:creationId xmlns:a16="http://schemas.microsoft.com/office/drawing/2014/main" id="{7DD1A461-975D-4C28-BA2C-3EC859AA44D0}"/>
+                <a16:creationId xmlns:a16="http://schemas.microsoft.com/office/drawing/2014/main" xmlns="" id="{7DD1A461-975D-4C28-BA2C-3EC859AA44D0}"/>
               </a:ext>
             </a:extLst>
           </p:cNvPr>
@@ -4302,7 +4743,7 @@
           <p:cNvPr id="53" name="Conector recto de flecha 52">
             <a:extLst>
               <a:ext uri="{FF2B5EF4-FFF2-40B4-BE49-F238E27FC236}">
-                <a16:creationId xmlns:a16="http://schemas.microsoft.com/office/drawing/2014/main" id="{6987A33A-B7B1-44A7-B40A-9C0B49AAFE08}"/>
+                <a16:creationId xmlns:a16="http://schemas.microsoft.com/office/drawing/2014/main" xmlns="" id="{6987A33A-B7B1-44A7-B40A-9C0B49AAFE08}"/>
               </a:ext>
             </a:extLst>
           </p:cNvPr>
@@ -4345,7 +4786,7 @@
           <p:cNvPr id="55" name="Conector recto de flecha 54">
             <a:extLst>
               <a:ext uri="{FF2B5EF4-FFF2-40B4-BE49-F238E27FC236}">
-                <a16:creationId xmlns:a16="http://schemas.microsoft.com/office/drawing/2014/main" id="{7AB2D6BD-8892-4875-A672-5256B6270392}"/>
+                <a16:creationId xmlns:a16="http://schemas.microsoft.com/office/drawing/2014/main" xmlns="" id="{7AB2D6BD-8892-4875-A672-5256B6270392}"/>
               </a:ext>
             </a:extLst>
           </p:cNvPr>
@@ -4388,7 +4829,7 @@
           <p:cNvPr id="57" name="Conector recto de flecha 56">
             <a:extLst>
               <a:ext uri="{FF2B5EF4-FFF2-40B4-BE49-F238E27FC236}">
-                <a16:creationId xmlns:a16="http://schemas.microsoft.com/office/drawing/2014/main" id="{0913957E-AEB6-4317-96FF-E8269C4ED410}"/>
+                <a16:creationId xmlns:a16="http://schemas.microsoft.com/office/drawing/2014/main" xmlns="" id="{0913957E-AEB6-4317-96FF-E8269C4ED410}"/>
               </a:ext>
             </a:extLst>
           </p:cNvPr>
@@ -4431,7 +4872,7 @@
           <p:cNvPr id="59" name="Conector recto de flecha 58">
             <a:extLst>
               <a:ext uri="{FF2B5EF4-FFF2-40B4-BE49-F238E27FC236}">
-                <a16:creationId xmlns:a16="http://schemas.microsoft.com/office/drawing/2014/main" id="{B2330C9D-3D5D-4574-B2A0-7D0BF47ADAA2}"/>
+                <a16:creationId xmlns:a16="http://schemas.microsoft.com/office/drawing/2014/main" xmlns="" id="{B2330C9D-3D5D-4574-B2A0-7D0BF47ADAA2}"/>
               </a:ext>
             </a:extLst>
           </p:cNvPr>
@@ -4474,7 +4915,7 @@
           <p:cNvPr id="61" name="Conector recto de flecha 60">
             <a:extLst>
               <a:ext uri="{FF2B5EF4-FFF2-40B4-BE49-F238E27FC236}">
-                <a16:creationId xmlns:a16="http://schemas.microsoft.com/office/drawing/2014/main" id="{73135A68-6061-4BF9-AC3E-B7A8D945A409}"/>
+                <a16:creationId xmlns:a16="http://schemas.microsoft.com/office/drawing/2014/main" xmlns="" id="{73135A68-6061-4BF9-AC3E-B7A8D945A409}"/>
               </a:ext>
             </a:extLst>
           </p:cNvPr>
@@ -4517,7 +4958,7 @@
           <p:cNvPr id="63" name="Conector recto de flecha 62">
             <a:extLst>
               <a:ext uri="{FF2B5EF4-FFF2-40B4-BE49-F238E27FC236}">
-                <a16:creationId xmlns:a16="http://schemas.microsoft.com/office/drawing/2014/main" id="{220D600A-FE34-4A42-BDE4-C9DC4B5DE18A}"/>
+                <a16:creationId xmlns:a16="http://schemas.microsoft.com/office/drawing/2014/main" xmlns="" id="{220D600A-FE34-4A42-BDE4-C9DC4B5DE18A}"/>
               </a:ext>
             </a:extLst>
           </p:cNvPr>
@@ -4560,7 +5001,7 @@
           <p:cNvPr id="65" name="Conector recto de flecha 64">
             <a:extLst>
               <a:ext uri="{FF2B5EF4-FFF2-40B4-BE49-F238E27FC236}">
-                <a16:creationId xmlns:a16="http://schemas.microsoft.com/office/drawing/2014/main" id="{359F9930-F815-477B-828E-4703F28E315F}"/>
+                <a16:creationId xmlns:a16="http://schemas.microsoft.com/office/drawing/2014/main" xmlns="" id="{359F9930-F815-477B-828E-4703F28E315F}"/>
               </a:ext>
             </a:extLst>
           </p:cNvPr>
@@ -4603,7 +5044,7 @@
           <p:cNvPr id="67" name="Conector recto de flecha 66">
             <a:extLst>
               <a:ext uri="{FF2B5EF4-FFF2-40B4-BE49-F238E27FC236}">
-                <a16:creationId xmlns:a16="http://schemas.microsoft.com/office/drawing/2014/main" id="{2554C9D8-34BF-4D2E-854E-707F93740976}"/>
+                <a16:creationId xmlns:a16="http://schemas.microsoft.com/office/drawing/2014/main" xmlns="" id="{2554C9D8-34BF-4D2E-854E-707F93740976}"/>
               </a:ext>
             </a:extLst>
           </p:cNvPr>
@@ -4646,7 +5087,7 @@
           <p:cNvPr id="69" name="Conector recto de flecha 68">
             <a:extLst>
               <a:ext uri="{FF2B5EF4-FFF2-40B4-BE49-F238E27FC236}">
-                <a16:creationId xmlns:a16="http://schemas.microsoft.com/office/drawing/2014/main" id="{2981EFFC-F0FD-4B65-8F15-A583FAC88EB9}"/>
+                <a16:creationId xmlns:a16="http://schemas.microsoft.com/office/drawing/2014/main" xmlns="" id="{2981EFFC-F0FD-4B65-8F15-A583FAC88EB9}"/>
               </a:ext>
             </a:extLst>
           </p:cNvPr>
@@ -4689,7 +5130,7 @@
           <p:cNvPr id="71" name="Conector recto de flecha 70">
             <a:extLst>
               <a:ext uri="{FF2B5EF4-FFF2-40B4-BE49-F238E27FC236}">
-                <a16:creationId xmlns:a16="http://schemas.microsoft.com/office/drawing/2014/main" id="{723399BA-F841-4387-906B-8D3887BC0B6C}"/>
+                <a16:creationId xmlns:a16="http://schemas.microsoft.com/office/drawing/2014/main" xmlns="" id="{723399BA-F841-4387-906B-8D3887BC0B6C}"/>
               </a:ext>
             </a:extLst>
           </p:cNvPr>
@@ -4731,7 +5172,7 @@
           <p:cNvPr id="73" name="Conector recto de flecha 72">
             <a:extLst>
               <a:ext uri="{FF2B5EF4-FFF2-40B4-BE49-F238E27FC236}">
-                <a16:creationId xmlns:a16="http://schemas.microsoft.com/office/drawing/2014/main" id="{3C94720E-944E-4006-A108-F5E321E7FDBA}"/>
+                <a16:creationId xmlns:a16="http://schemas.microsoft.com/office/drawing/2014/main" xmlns="" id="{3C94720E-944E-4006-A108-F5E321E7FDBA}"/>
               </a:ext>
             </a:extLst>
           </p:cNvPr>
@@ -4774,7 +5215,7 @@
           <p:cNvPr id="75" name="Conector recto de flecha 74">
             <a:extLst>
               <a:ext uri="{FF2B5EF4-FFF2-40B4-BE49-F238E27FC236}">
-                <a16:creationId xmlns:a16="http://schemas.microsoft.com/office/drawing/2014/main" id="{639E0549-7295-40CF-8076-EAF0AC473F5B}"/>
+                <a16:creationId xmlns:a16="http://schemas.microsoft.com/office/drawing/2014/main" xmlns="" id="{639E0549-7295-40CF-8076-EAF0AC473F5B}"/>
               </a:ext>
             </a:extLst>
           </p:cNvPr>
@@ -4817,7 +5258,7 @@
           <p:cNvPr id="77" name="Conector recto de flecha 76">
             <a:extLst>
               <a:ext uri="{FF2B5EF4-FFF2-40B4-BE49-F238E27FC236}">
-                <a16:creationId xmlns:a16="http://schemas.microsoft.com/office/drawing/2014/main" id="{82F99B2A-EB93-41A8-8879-CB4D20D29206}"/>
+                <a16:creationId xmlns:a16="http://schemas.microsoft.com/office/drawing/2014/main" xmlns="" id="{82F99B2A-EB93-41A8-8879-CB4D20D29206}"/>
               </a:ext>
             </a:extLst>
           </p:cNvPr>
@@ -4860,19 +5301,18 @@
           <p:cNvPr id="103" name="Conector: curvado 102">
             <a:extLst>
               <a:ext uri="{FF2B5EF4-FFF2-40B4-BE49-F238E27FC236}">
-                <a16:creationId xmlns:a16="http://schemas.microsoft.com/office/drawing/2014/main" id="{437937ED-C4BA-410F-930C-A28E3D33FCC0}"/>
+                <a16:creationId xmlns:a16="http://schemas.microsoft.com/office/drawing/2014/main" xmlns="" id="{437937ED-C4BA-410F-930C-A28E3D33FCC0}"/>
               </a:ext>
             </a:extLst>
           </p:cNvPr>
           <p:cNvCxnSpPr>
             <a:cxnSpLocks/>
-            <a:endCxn id="27" idx="7"/>
           </p:cNvCxnSpPr>
           <p:nvPr/>
         </p:nvCxnSpPr>
         <p:spPr>
           <a:xfrm rot="5400000" flipH="1" flipV="1">
-            <a:off x="2297251" y="3337208"/>
+            <a:off x="2340814" y="3332930"/>
             <a:ext cx="4291555" cy="142864"/>
           </a:xfrm>
           <a:prstGeom prst="curvedConnector5">
@@ -4906,7 +5346,7 @@
           <p:cNvPr id="2" name="CuadroTexto 1">
             <a:extLst>
               <a:ext uri="{FF2B5EF4-FFF2-40B4-BE49-F238E27FC236}">
-                <a16:creationId xmlns:a16="http://schemas.microsoft.com/office/drawing/2014/main" id="{0B1B3F42-5929-4709-B443-042C12EC69F1}"/>
+                <a16:creationId xmlns:a16="http://schemas.microsoft.com/office/drawing/2014/main" xmlns="" id="{0B1B3F42-5929-4709-B443-042C12EC69F1}"/>
               </a:ext>
             </a:extLst>
           </p:cNvPr>
@@ -5053,7 +5493,7 @@
           <p:cNvPr id="4" name="Conector: angular 3">
             <a:extLst>
               <a:ext uri="{FF2B5EF4-FFF2-40B4-BE49-F238E27FC236}">
-                <a16:creationId xmlns:a16="http://schemas.microsoft.com/office/drawing/2014/main" id="{F8EE469A-2024-4BAB-9ADB-9858EE43919E}"/>
+                <a16:creationId xmlns:a16="http://schemas.microsoft.com/office/drawing/2014/main" xmlns="" id="{F8EE469A-2024-4BAB-9ADB-9858EE43919E}"/>
               </a:ext>
             </a:extLst>
           </p:cNvPr>
@@ -5094,7 +5534,7 @@
           <p:cNvPr id="6" name="Conector: angular 5">
             <a:extLst>
               <a:ext uri="{FF2B5EF4-FFF2-40B4-BE49-F238E27FC236}">
-                <a16:creationId xmlns:a16="http://schemas.microsoft.com/office/drawing/2014/main" id="{BF5238D3-F5B9-4122-AE74-FC099014646B}"/>
+                <a16:creationId xmlns:a16="http://schemas.microsoft.com/office/drawing/2014/main" xmlns="" id="{BF5238D3-F5B9-4122-AE74-FC099014646B}"/>
               </a:ext>
             </a:extLst>
           </p:cNvPr>
@@ -5144,10 +5584,505 @@
   <p:clrMapOvr>
     <a:masterClrMapping/>
   </p:clrMapOvr>
+  <p:timing>
+    <p:tnLst>
+      <p:par>
+        <p:cTn id="1" dur="indefinite" restart="never" nodeType="tmRoot"/>
+      </p:par>
+    </p:tnLst>
+  </p:timing>
 </p:sld>
 </file>
 
 <file path=ppt/slides/slide2.xml><?xml version="1.0" encoding="utf-8"?>
+<p:sld xmlns:a="http://schemas.openxmlformats.org/drawingml/2006/main" xmlns:r="http://schemas.openxmlformats.org/officeDocument/2006/relationships" xmlns:p="http://schemas.openxmlformats.org/presentationml/2006/main">
+  <p:cSld>
+    <p:spTree>
+      <p:nvGrpSpPr>
+        <p:cNvPr id="1" name=""/>
+        <p:cNvGrpSpPr/>
+        <p:nvPr/>
+      </p:nvGrpSpPr>
+      <p:grpSpPr>
+        <a:xfrm>
+          <a:off x="0" y="0"/>
+          <a:ext cx="0" cy="0"/>
+          <a:chOff x="0" y="0"/>
+          <a:chExt cx="0" cy="0"/>
+        </a:xfrm>
+      </p:grpSpPr>
+      <p:sp>
+        <p:nvSpPr>
+          <p:cNvPr id="4" name="CuadroTexto 3"/>
+          <p:cNvSpPr txBox="1"/>
+          <p:nvPr/>
+        </p:nvSpPr>
+        <p:spPr>
+          <a:xfrm>
+            <a:off x="5638800" y="338667"/>
+            <a:ext cx="3302000" cy="2308324"/>
+          </a:xfrm>
+          <a:prstGeom prst="rect">
+            <a:avLst/>
+          </a:prstGeom>
+          <a:noFill/>
+        </p:spPr>
+        <p:txBody>
+          <a:bodyPr wrap="square" rtlCol="0">
+            <a:spAutoFit/>
+          </a:bodyPr>
+          <a:lstStyle/>
+          <a:p>
+            <a:pPr algn="ctr"/>
+            <a:r>
+              <a:rPr lang="es-AR" dirty="0" smtClean="0"/>
+              <a:t>Caminos</a:t>
+            </a:r>
+          </a:p>
+          <a:p>
+            <a:pPr marL="342900" indent="-342900">
+              <a:buFont typeface="+mj-lt"/>
+              <a:buAutoNum type="alphaUcPeriod"/>
+            </a:pPr>
+            <a:r>
+              <a:rPr lang="es-AR" dirty="0" smtClean="0"/>
+              <a:t>1,2,17</a:t>
+            </a:r>
+          </a:p>
+          <a:p>
+            <a:pPr marL="342900" indent="-342900">
+              <a:buFont typeface="+mj-lt"/>
+              <a:buAutoNum type="alphaUcPeriod"/>
+            </a:pPr>
+            <a:r>
+              <a:rPr lang="es-AR" dirty="0" smtClean="0"/>
+              <a:t>1,2,3,4,15,16,2,17</a:t>
+            </a:r>
+          </a:p>
+          <a:p>
+            <a:pPr marL="342900" indent="-342900">
+              <a:buFont typeface="+mj-lt"/>
+              <a:buAutoNum type="alphaUcPeriod"/>
+            </a:pPr>
+            <a:r>
+              <a:rPr lang="es-AR" dirty="0" smtClean="0"/>
+              <a:t>1,2,3,4,5,14,16,2,17</a:t>
+            </a:r>
+          </a:p>
+          <a:p>
+            <a:pPr marL="342900" indent="-342900">
+              <a:buFont typeface="+mj-lt"/>
+              <a:buAutoNum type="alphaUcPeriod"/>
+            </a:pPr>
+            <a:r>
+              <a:rPr lang="es-AR" dirty="0" smtClean="0"/>
+              <a:t>1,2,3,4,5,6,7,13,16,2,17</a:t>
+            </a:r>
+          </a:p>
+          <a:p>
+            <a:pPr marL="342900" indent="-342900">
+              <a:buFont typeface="+mj-lt"/>
+              <a:buAutoNum type="alphaUcPeriod"/>
+            </a:pPr>
+            <a:r>
+              <a:rPr lang="es-AR" dirty="0" smtClean="0"/>
+              <a:t>1,2,3,4,5,6,7,8,10,12,16,2,17</a:t>
+            </a:r>
+          </a:p>
+          <a:p>
+            <a:pPr marL="342900" indent="-342900">
+              <a:buFont typeface="+mj-lt"/>
+              <a:buAutoNum type="alphaUcPeriod"/>
+            </a:pPr>
+            <a:r>
+              <a:rPr lang="es-AR" dirty="0" smtClean="0"/>
+              <a:t>1,2,3,4,5,6,7,8,10,11,16,2,17</a:t>
+            </a:r>
+          </a:p>
+          <a:p>
+            <a:pPr marL="342900" indent="-342900">
+              <a:buFont typeface="+mj-lt"/>
+              <a:buAutoNum type="alphaUcPeriod"/>
+            </a:pPr>
+            <a:r>
+              <a:rPr lang="es-AR" dirty="0" smtClean="0"/>
+              <a:t>1,2,3,4,5,6,7,8,9,16,2,17</a:t>
+            </a:r>
+            <a:endParaRPr lang="es-AR" dirty="0"/>
+          </a:p>
+        </p:txBody>
+      </p:sp>
+      <p:pic>
+        <p:nvPicPr>
+          <p:cNvPr id="5" name="Imagen 4"/>
+          <p:cNvPicPr>
+            <a:picLocks noChangeAspect="1"/>
+          </p:cNvPicPr>
+          <p:nvPr/>
+        </p:nvPicPr>
+        <p:blipFill>
+          <a:blip r:embed="rId2"/>
+          <a:stretch>
+            <a:fillRect/>
+          </a:stretch>
+        </p:blipFill>
+        <p:spPr>
+          <a:xfrm>
+            <a:off x="669333" y="557904"/>
+            <a:ext cx="4858933" cy="5047926"/>
+          </a:xfrm>
+          <a:prstGeom prst="rect">
+            <a:avLst/>
+          </a:prstGeom>
+        </p:spPr>
+      </p:pic>
+    </p:spTree>
+    <p:extLst>
+      <p:ext uri="{BB962C8B-B14F-4D97-AF65-F5344CB8AC3E}">
+        <p14:creationId xmlns:p14="http://schemas.microsoft.com/office/powerpoint/2010/main" val="197164257"/>
+      </p:ext>
+    </p:extLst>
+  </p:cSld>
+  <p:clrMapOvr>
+    <a:masterClrMapping/>
+  </p:clrMapOvr>
+  <p:timing>
+    <p:tnLst>
+      <p:par>
+        <p:cTn id="1" dur="indefinite" restart="never" nodeType="tmRoot"/>
+      </p:par>
+    </p:tnLst>
+  </p:timing>
+</p:sld>
+</file>
+
+<file path=ppt/slides/slide3.xml><?xml version="1.0" encoding="utf-8"?>
+<p:sld xmlns:a="http://schemas.openxmlformats.org/drawingml/2006/main" xmlns:r="http://schemas.openxmlformats.org/officeDocument/2006/relationships" xmlns:p="http://schemas.openxmlformats.org/presentationml/2006/main">
+  <p:cSld>
+    <p:spTree>
+      <p:nvGrpSpPr>
+        <p:cNvPr id="1" name=""/>
+        <p:cNvGrpSpPr/>
+        <p:nvPr/>
+      </p:nvGrpSpPr>
+      <p:grpSpPr>
+        <a:xfrm>
+          <a:off x="0" y="0"/>
+          <a:ext cx="0" cy="0"/>
+          <a:chOff x="0" y="0"/>
+          <a:chExt cx="0" cy="0"/>
+        </a:xfrm>
+      </p:grpSpPr>
+      <p:sp>
+        <p:nvSpPr>
+          <p:cNvPr id="4" name="CuadroTexto 3"/>
+          <p:cNvSpPr txBox="1"/>
+          <p:nvPr/>
+        </p:nvSpPr>
+        <p:spPr>
+          <a:xfrm>
+            <a:off x="872066" y="558801"/>
+            <a:ext cx="6383867" cy="5909310"/>
+          </a:xfrm>
+          <a:prstGeom prst="rect">
+            <a:avLst/>
+          </a:prstGeom>
+          <a:noFill/>
+        </p:spPr>
+        <p:txBody>
+          <a:bodyPr wrap="square" rtlCol="0">
+            <a:spAutoFit/>
+          </a:bodyPr>
+          <a:lstStyle/>
+          <a:p>
+            <a:pPr marL="285750" indent="-285750">
+              <a:buFont typeface="Arial" panose="020B0604020202020204" pitchFamily="34" charset="0"/>
+              <a:buChar char="•"/>
+            </a:pPr>
+            <a:r>
+              <a:rPr lang="es-AR" dirty="0" smtClean="0"/>
+              <a:t>Camino A</a:t>
+            </a:r>
+          </a:p>
+          <a:p>
+            <a:r>
+              <a:rPr lang="es-AR" dirty="0" smtClean="0"/>
+              <a:t>	L1,L2,L3= valores nulos por lo tanto nunca entra en el </a:t>
+            </a:r>
+            <a:r>
+              <a:rPr lang="es-AR" dirty="0" err="1" smtClean="0"/>
+              <a:t>while</a:t>
+            </a:r>
+            <a:endParaRPr lang="es-AR" dirty="0"/>
+          </a:p>
+          <a:p>
+            <a:pPr marL="285750" indent="-285750">
+              <a:buFont typeface="Arial" panose="020B0604020202020204" pitchFamily="34" charset="0"/>
+              <a:buChar char="•"/>
+            </a:pPr>
+            <a:r>
+              <a:rPr lang="es-AR" dirty="0" smtClean="0"/>
+              <a:t>Camino B</a:t>
+            </a:r>
+          </a:p>
+          <a:p>
+            <a:r>
+              <a:rPr lang="es-AR" dirty="0"/>
+              <a:t>	</a:t>
+            </a:r>
+            <a:r>
+              <a:rPr lang="es-AR" dirty="0" smtClean="0"/>
+              <a:t>L1=1 	L2=2 	L3=</a:t>
+            </a:r>
+            <a:r>
+              <a:rPr lang="es-AR" dirty="0" err="1" smtClean="0"/>
+              <a:t>null</a:t>
+            </a:r>
+            <a:endParaRPr lang="es-AR" dirty="0" smtClean="0"/>
+          </a:p>
+          <a:p>
+            <a:r>
+              <a:rPr lang="es-AR" dirty="0" smtClean="0"/>
+              <a:t>	no hay 3 lados</a:t>
+            </a:r>
+          </a:p>
+          <a:p>
+            <a:pPr marL="285750" indent="-285750">
+              <a:buFont typeface="Arial" panose="020B0604020202020204" pitchFamily="34" charset="0"/>
+              <a:buChar char="•"/>
+            </a:pPr>
+            <a:r>
+              <a:rPr lang="es-AR" dirty="0" smtClean="0"/>
+              <a:t>Camino C</a:t>
+            </a:r>
+          </a:p>
+          <a:p>
+            <a:r>
+              <a:rPr lang="es-AR" dirty="0"/>
+              <a:t>	</a:t>
+            </a:r>
+            <a:r>
+              <a:rPr lang="es-AR" dirty="0" smtClean="0"/>
+              <a:t>L1=-1	L2=2	 	L3=5</a:t>
+            </a:r>
+          </a:p>
+          <a:p>
+            <a:r>
+              <a:rPr lang="es-AR" dirty="0"/>
+              <a:t>	</a:t>
+            </a:r>
+            <a:r>
+              <a:rPr lang="es-AR" dirty="0" smtClean="0"/>
+              <a:t>los tres lados no son enteros positivos</a:t>
+            </a:r>
+          </a:p>
+          <a:p>
+            <a:pPr marL="285750" indent="-285750">
+              <a:buFont typeface="Arial" panose="020B0604020202020204" pitchFamily="34" charset="0"/>
+              <a:buChar char="•"/>
+            </a:pPr>
+            <a:r>
+              <a:rPr lang="es-AR" dirty="0" smtClean="0"/>
+              <a:t>Camino D</a:t>
+            </a:r>
+          </a:p>
+          <a:p>
+            <a:pPr lvl="1"/>
+            <a:r>
+              <a:rPr lang="es-AR" dirty="0" smtClean="0"/>
+              <a:t>L1=2		L2=5		L3=2</a:t>
+            </a:r>
+          </a:p>
+          <a:p>
+            <a:pPr lvl="1"/>
+            <a:r>
+              <a:rPr lang="es-AR" dirty="0" smtClean="0"/>
+              <a:t>No cumple la propiedad de L2&lt;(L1+L3) no es un triangulo</a:t>
+            </a:r>
+          </a:p>
+          <a:p>
+            <a:pPr marL="285750" indent="-285750">
+              <a:buFont typeface="Arial" panose="020B0604020202020204" pitchFamily="34" charset="0"/>
+              <a:buChar char="•"/>
+            </a:pPr>
+            <a:r>
+              <a:rPr lang="es-AR" dirty="0" smtClean="0"/>
+              <a:t>Camino E</a:t>
+            </a:r>
+          </a:p>
+          <a:p>
+            <a:pPr lvl="1"/>
+            <a:r>
+              <a:rPr lang="es-AR" dirty="0" smtClean="0"/>
+              <a:t>L1=5		L2=5		L3=5</a:t>
+            </a:r>
+          </a:p>
+          <a:p>
+            <a:pPr lvl="1"/>
+            <a:r>
+              <a:rPr lang="es-AR" dirty="0" smtClean="0"/>
+              <a:t>L1=L2=L3 por lo tanto es un triangulo equilátero</a:t>
+            </a:r>
+          </a:p>
+          <a:p>
+            <a:pPr marL="285750" indent="-285750">
+              <a:buFont typeface="Arial" panose="020B0604020202020204" pitchFamily="34" charset="0"/>
+              <a:buChar char="•"/>
+            </a:pPr>
+            <a:r>
+              <a:rPr lang="es-AR" dirty="0"/>
+              <a:t>Camino </a:t>
+            </a:r>
+            <a:r>
+              <a:rPr lang="es-AR" dirty="0" smtClean="0"/>
+              <a:t>F</a:t>
+            </a:r>
+            <a:endParaRPr lang="es-AR" dirty="0"/>
+          </a:p>
+          <a:p>
+            <a:pPr lvl="1"/>
+            <a:r>
+              <a:rPr lang="es-AR" dirty="0" smtClean="0"/>
+              <a:t>L1=7</a:t>
+            </a:r>
+            <a:r>
+              <a:rPr lang="es-AR" dirty="0"/>
+              <a:t>		L2=5		L3=5</a:t>
+            </a:r>
+          </a:p>
+          <a:p>
+            <a:pPr lvl="1"/>
+            <a:r>
+              <a:rPr lang="es-AR" dirty="0" smtClean="0"/>
+              <a:t>L1!=</a:t>
+            </a:r>
+            <a:r>
+              <a:rPr lang="es-AR" dirty="0"/>
+              <a:t>L2=L3 por lo tanto es un triangulo </a:t>
+            </a:r>
+            <a:r>
+              <a:rPr lang="es-AR" dirty="0" smtClean="0"/>
+              <a:t>Isósceles</a:t>
+            </a:r>
+            <a:endParaRPr lang="es-AR" dirty="0"/>
+          </a:p>
+          <a:p>
+            <a:pPr marL="285750" indent="-285750">
+              <a:buFont typeface="Arial" panose="020B0604020202020204" pitchFamily="34" charset="0"/>
+              <a:buChar char="•"/>
+            </a:pPr>
+            <a:r>
+              <a:rPr lang="es-AR" dirty="0"/>
+              <a:t>Camino </a:t>
+            </a:r>
+            <a:r>
+              <a:rPr lang="es-AR" dirty="0" smtClean="0"/>
+              <a:t>G</a:t>
+            </a:r>
+            <a:endParaRPr lang="es-AR" dirty="0"/>
+          </a:p>
+          <a:p>
+            <a:pPr lvl="1"/>
+            <a:r>
+              <a:rPr lang="es-AR" dirty="0" smtClean="0"/>
+              <a:t>L1=5	</a:t>
+            </a:r>
+            <a:r>
+              <a:rPr lang="es-AR" dirty="0"/>
+              <a:t>	</a:t>
+            </a:r>
+            <a:r>
+              <a:rPr lang="es-AR" dirty="0" smtClean="0"/>
+              <a:t>L2=6</a:t>
+            </a:r>
+            <a:r>
+              <a:rPr lang="es-AR" dirty="0"/>
+              <a:t>		</a:t>
+            </a:r>
+            <a:r>
+              <a:rPr lang="es-AR" dirty="0" smtClean="0"/>
+              <a:t>L3=7</a:t>
+            </a:r>
+            <a:endParaRPr lang="es-AR" dirty="0"/>
+          </a:p>
+          <a:p>
+            <a:pPr lvl="1"/>
+            <a:r>
+              <a:rPr lang="es-AR" dirty="0"/>
+              <a:t>L1!=</a:t>
+            </a:r>
+            <a:r>
+              <a:rPr lang="es-AR" dirty="0" smtClean="0"/>
+              <a:t>L2!=</a:t>
+            </a:r>
+            <a:r>
+              <a:rPr lang="es-AR" dirty="0"/>
+              <a:t>L3 por lo tanto es un triangulo </a:t>
+            </a:r>
+            <a:r>
+              <a:rPr lang="es-AR" dirty="0" smtClean="0"/>
+              <a:t>Escaleno</a:t>
+            </a:r>
+            <a:endParaRPr lang="es-AR" dirty="0"/>
+          </a:p>
+          <a:p>
+            <a:pPr lvl="1"/>
+            <a:endParaRPr lang="es-AR" dirty="0"/>
+          </a:p>
+        </p:txBody>
+      </p:sp>
+      <p:sp>
+        <p:nvSpPr>
+          <p:cNvPr id="5" name="CuadroTexto 4"/>
+          <p:cNvSpPr txBox="1"/>
+          <p:nvPr/>
+        </p:nvSpPr>
+        <p:spPr>
+          <a:xfrm>
+            <a:off x="3750733" y="189469"/>
+            <a:ext cx="990600" cy="369332"/>
+          </a:xfrm>
+          <a:prstGeom prst="rect">
+            <a:avLst/>
+          </a:prstGeom>
+          <a:noFill/>
+        </p:spPr>
+        <p:txBody>
+          <a:bodyPr wrap="square" rtlCol="0">
+            <a:spAutoFit/>
+          </a:bodyPr>
+          <a:lstStyle/>
+          <a:p>
+            <a:pPr algn="ctr"/>
+            <a:r>
+              <a:rPr lang="es-AR" dirty="0" err="1" smtClean="0"/>
+              <a:t>McCabe</a:t>
+            </a:r>
+            <a:endParaRPr lang="es-AR" dirty="0"/>
+          </a:p>
+        </p:txBody>
+      </p:sp>
+    </p:spTree>
+    <p:extLst>
+      <p:ext uri="{BB962C8B-B14F-4D97-AF65-F5344CB8AC3E}">
+        <p14:creationId xmlns:p14="http://schemas.microsoft.com/office/powerpoint/2010/main" val="68907839"/>
+      </p:ext>
+    </p:extLst>
+  </p:cSld>
+  <p:clrMapOvr>
+    <a:masterClrMapping/>
+  </p:clrMapOvr>
+  <p:timing>
+    <p:tnLst>
+      <p:par>
+        <p:cTn id="1" dur="indefinite" restart="never" nodeType="tmRoot"/>
+      </p:par>
+    </p:tnLst>
+  </p:timing>
+</p:sld>
+</file>
+
+<file path=ppt/slides/slide4.xml><?xml version="1.0" encoding="utf-8"?>
 <p:sld xmlns:a="http://schemas.openxmlformats.org/drawingml/2006/main" xmlns:r="http://schemas.openxmlformats.org/officeDocument/2006/relationships" xmlns:p="http://schemas.openxmlformats.org/presentationml/2006/main">
   <p:cSld>
     <p:spTree>
@@ -5169,7 +6104,7 @@
           <p:cNvPr id="4" name="Imagen 3">
             <a:extLst>
               <a:ext uri="{FF2B5EF4-FFF2-40B4-BE49-F238E27FC236}">
-                <a16:creationId xmlns:a16="http://schemas.microsoft.com/office/drawing/2014/main" id="{360E3696-B415-4E23-9AB1-FE647E8069C4}"/>
+                <a16:creationId xmlns:a16="http://schemas.microsoft.com/office/drawing/2014/main" xmlns="" id="{360E3696-B415-4E23-9AB1-FE647E8069C4}"/>
               </a:ext>
             </a:extLst>
           </p:cNvPr>
@@ -5199,7 +6134,7 @@
           <p:cNvPr id="5" name="Imagen 4">
             <a:extLst>
               <a:ext uri="{FF2B5EF4-FFF2-40B4-BE49-F238E27FC236}">
-                <a16:creationId xmlns:a16="http://schemas.microsoft.com/office/drawing/2014/main" id="{4B4680B1-AD62-46E9-AB71-2D6852F68508}"/>
+                <a16:creationId xmlns:a16="http://schemas.microsoft.com/office/drawing/2014/main" xmlns="" id="{4B4680B1-AD62-46E9-AB71-2D6852F68508}"/>
               </a:ext>
             </a:extLst>
           </p:cNvPr>
@@ -5234,6 +6169,13 @@
   <p:clrMapOvr>
     <a:masterClrMapping/>
   </p:clrMapOvr>
+  <p:timing>
+    <p:tnLst>
+      <p:par>
+        <p:cTn id="1" dur="indefinite" restart="never" nodeType="tmRoot"/>
+      </p:par>
+    </p:tnLst>
+  </p:timing>
 </p:sld>
 </file>
 
@@ -5496,4 +6438,265 @@
     </a:ext>
   </a:extLst>
 </a:theme>
+</file>
+
+<file path=ppt/theme/theme2.xml><?xml version="1.0" encoding="utf-8"?>
+<a:theme xmlns:a="http://schemas.openxmlformats.org/drawingml/2006/main" name="Tema de Office">
+  <a:themeElements>
+    <a:clrScheme name="Office">
+      <a:dk1>
+        <a:sysClr val="windowText" lastClr="000000"/>
+      </a:dk1>
+      <a:lt1>
+        <a:sysClr val="window" lastClr="FFFFFF"/>
+      </a:lt1>
+      <a:dk2>
+        <a:srgbClr val="44546A"/>
+      </a:dk2>
+      <a:lt2>
+        <a:srgbClr val="E7E6E6"/>
+      </a:lt2>
+      <a:accent1>
+        <a:srgbClr val="5B9BD5"/>
+      </a:accent1>
+      <a:accent2>
+        <a:srgbClr val="ED7D31"/>
+      </a:accent2>
+      <a:accent3>
+        <a:srgbClr val="A5A5A5"/>
+      </a:accent3>
+      <a:accent4>
+        <a:srgbClr val="FFC000"/>
+      </a:accent4>
+      <a:accent5>
+        <a:srgbClr val="4472C4"/>
+      </a:accent5>
+      <a:accent6>
+        <a:srgbClr val="70AD47"/>
+      </a:accent6>
+      <a:hlink>
+        <a:srgbClr val="0563C1"/>
+      </a:hlink>
+      <a:folHlink>
+        <a:srgbClr val="954F72"/>
+      </a:folHlink>
+    </a:clrScheme>
+    <a:fontScheme name="Office">
+      <a:majorFont>
+        <a:latin typeface="Calibri Light" panose="020F0302020204030204"/>
+        <a:ea typeface=""/>
+        <a:cs typeface=""/>
+        <a:font script="Jpan" typeface="ＭＳ Ｐゴシック"/>
+        <a:font script="Hang" typeface="맑은 고딕"/>
+        <a:font script="Hans" typeface="宋体"/>
+        <a:font script="Hant" typeface="新細明體"/>
+        <a:font script="Arab" typeface="Times New Roman"/>
+        <a:font script="Hebr" typeface="Times New Roman"/>
+        <a:font script="Thai" typeface="Angsana New"/>
+        <a:font script="Ethi" typeface="Nyala"/>
+        <a:font script="Beng" typeface="Vrinda"/>
+        <a:font script="Gujr" typeface="Shruti"/>
+        <a:font script="Khmr" typeface="MoolBoran"/>
+        <a:font script="Knda" typeface="Tunga"/>
+        <a:font script="Guru" typeface="Raavi"/>
+        <a:font script="Cans" typeface="Euphemia"/>
+        <a:font script="Cher" typeface="Plantagenet Cherokee"/>
+        <a:font script="Yiii" typeface="Microsoft Yi Baiti"/>
+        <a:font script="Tibt" typeface="Microsoft Himalaya"/>
+        <a:font script="Thaa" typeface="MV Boli"/>
+        <a:font script="Deva" typeface="Mangal"/>
+        <a:font script="Telu" typeface="Gautami"/>
+        <a:font script="Taml" typeface="Latha"/>
+        <a:font script="Syrc" typeface="Estrangelo Edessa"/>
+        <a:font script="Orya" typeface="Kalinga"/>
+        <a:font script="Mlym" typeface="Kartika"/>
+        <a:font script="Laoo" typeface="DokChampa"/>
+        <a:font script="Sinh" typeface="Iskoola Pota"/>
+        <a:font script="Mong" typeface="Mongolian Baiti"/>
+        <a:font script="Viet" typeface="Times New Roman"/>
+        <a:font script="Uigh" typeface="Microsoft Uighur"/>
+        <a:font script="Geor" typeface="Sylfaen"/>
+      </a:majorFont>
+      <a:minorFont>
+        <a:latin typeface="Calibri" panose="020F0502020204030204"/>
+        <a:ea typeface=""/>
+        <a:cs typeface=""/>
+        <a:font script="Jpan" typeface="ＭＳ Ｐゴシック"/>
+        <a:font script="Hang" typeface="맑은 고딕"/>
+        <a:font script="Hans" typeface="宋体"/>
+        <a:font script="Hant" typeface="新細明體"/>
+        <a:font script="Arab" typeface="Arial"/>
+        <a:font script="Hebr" typeface="Arial"/>
+        <a:font script="Thai" typeface="Cordia New"/>
+        <a:font script="Ethi" typeface="Nyala"/>
+        <a:font script="Beng" typeface="Vrinda"/>
+        <a:font script="Gujr" typeface="Shruti"/>
+        <a:font script="Khmr" typeface="DaunPenh"/>
+        <a:font script="Knda" typeface="Tunga"/>
+        <a:font script="Guru" typeface="Raavi"/>
+        <a:font script="Cans" typeface="Euphemia"/>
+        <a:font script="Cher" typeface="Plantagenet Cherokee"/>
+        <a:font script="Yiii" typeface="Microsoft Yi Baiti"/>
+        <a:font script="Tibt" typeface="Microsoft Himalaya"/>
+        <a:font script="Thaa" typeface="MV Boli"/>
+        <a:font script="Deva" typeface="Mangal"/>
+        <a:font script="Telu" typeface="Gautami"/>
+        <a:font script="Taml" typeface="Latha"/>
+        <a:font script="Syrc" typeface="Estrangelo Edessa"/>
+        <a:font script="Orya" typeface="Kalinga"/>
+        <a:font script="Mlym" typeface="Kartika"/>
+        <a:font script="Laoo" typeface="DokChampa"/>
+        <a:font script="Sinh" typeface="Iskoola Pota"/>
+        <a:font script="Mong" typeface="Mongolian Baiti"/>
+        <a:font script="Viet" typeface="Arial"/>
+        <a:font script="Uigh" typeface="Microsoft Uighur"/>
+        <a:font script="Geor" typeface="Sylfaen"/>
+      </a:minorFont>
+    </a:fontScheme>
+    <a:fmtScheme name="Office">
+      <a:fillStyleLst>
+        <a:solidFill>
+          <a:schemeClr val="phClr"/>
+        </a:solidFill>
+        <a:gradFill rotWithShape="1">
+          <a:gsLst>
+            <a:gs pos="0">
+              <a:schemeClr val="phClr">
+                <a:lumMod val="110000"/>
+                <a:satMod val="105000"/>
+                <a:tint val="67000"/>
+              </a:schemeClr>
+            </a:gs>
+            <a:gs pos="50000">
+              <a:schemeClr val="phClr">
+                <a:lumMod val="105000"/>
+                <a:satMod val="103000"/>
+                <a:tint val="73000"/>
+              </a:schemeClr>
+            </a:gs>
+            <a:gs pos="100000">
+              <a:schemeClr val="phClr">
+                <a:lumMod val="105000"/>
+                <a:satMod val="109000"/>
+                <a:tint val="81000"/>
+              </a:schemeClr>
+            </a:gs>
+          </a:gsLst>
+          <a:lin ang="5400000" scaled="0"/>
+        </a:gradFill>
+        <a:gradFill rotWithShape="1">
+          <a:gsLst>
+            <a:gs pos="0">
+              <a:schemeClr val="phClr">
+                <a:satMod val="103000"/>
+                <a:lumMod val="102000"/>
+                <a:tint val="94000"/>
+              </a:schemeClr>
+            </a:gs>
+            <a:gs pos="50000">
+              <a:schemeClr val="phClr">
+                <a:satMod val="110000"/>
+                <a:lumMod val="100000"/>
+                <a:shade val="100000"/>
+              </a:schemeClr>
+            </a:gs>
+            <a:gs pos="100000">
+              <a:schemeClr val="phClr">
+                <a:lumMod val="99000"/>
+                <a:satMod val="120000"/>
+                <a:shade val="78000"/>
+              </a:schemeClr>
+            </a:gs>
+          </a:gsLst>
+          <a:lin ang="5400000" scaled="0"/>
+        </a:gradFill>
+      </a:fillStyleLst>
+      <a:lnStyleLst>
+        <a:ln w="6350" cap="flat" cmpd="sng" algn="ctr">
+          <a:solidFill>
+            <a:schemeClr val="phClr"/>
+          </a:solidFill>
+          <a:prstDash val="solid"/>
+          <a:miter lim="800000"/>
+        </a:ln>
+        <a:ln w="12700" cap="flat" cmpd="sng" algn="ctr">
+          <a:solidFill>
+            <a:schemeClr val="phClr"/>
+          </a:solidFill>
+          <a:prstDash val="solid"/>
+          <a:miter lim="800000"/>
+        </a:ln>
+        <a:ln w="19050" cap="flat" cmpd="sng" algn="ctr">
+          <a:solidFill>
+            <a:schemeClr val="phClr"/>
+          </a:solidFill>
+          <a:prstDash val="solid"/>
+          <a:miter lim="800000"/>
+        </a:ln>
+      </a:lnStyleLst>
+      <a:effectStyleLst>
+        <a:effectStyle>
+          <a:effectLst/>
+        </a:effectStyle>
+        <a:effectStyle>
+          <a:effectLst/>
+        </a:effectStyle>
+        <a:effectStyle>
+          <a:effectLst>
+            <a:outerShdw blurRad="57150" dist="19050" dir="5400000" algn="ctr" rotWithShape="0">
+              <a:srgbClr val="000000">
+                <a:alpha val="63000"/>
+              </a:srgbClr>
+            </a:outerShdw>
+          </a:effectLst>
+        </a:effectStyle>
+      </a:effectStyleLst>
+      <a:bgFillStyleLst>
+        <a:solidFill>
+          <a:schemeClr val="phClr"/>
+        </a:solidFill>
+        <a:solidFill>
+          <a:schemeClr val="phClr">
+            <a:tint val="95000"/>
+            <a:satMod val="170000"/>
+          </a:schemeClr>
+        </a:solidFill>
+        <a:gradFill rotWithShape="1">
+          <a:gsLst>
+            <a:gs pos="0">
+              <a:schemeClr val="phClr">
+                <a:tint val="93000"/>
+                <a:satMod val="150000"/>
+                <a:shade val="98000"/>
+                <a:lumMod val="102000"/>
+              </a:schemeClr>
+            </a:gs>
+            <a:gs pos="50000">
+              <a:schemeClr val="phClr">
+                <a:tint val="98000"/>
+                <a:satMod val="130000"/>
+                <a:shade val="90000"/>
+                <a:lumMod val="103000"/>
+              </a:schemeClr>
+            </a:gs>
+            <a:gs pos="100000">
+              <a:schemeClr val="phClr">
+                <a:shade val="63000"/>
+                <a:satMod val="120000"/>
+              </a:schemeClr>
+            </a:gs>
+          </a:gsLst>
+          <a:lin ang="5400000" scaled="0"/>
+        </a:gradFill>
+      </a:bgFillStyleLst>
+    </a:fmtScheme>
+  </a:themeElements>
+  <a:objectDefaults/>
+  <a:extraClrSchemeLst/>
+  <a:extLst>
+    <a:ext uri="{05A4C25C-085E-4340-85A3-A5531E510DB2}">
+      <thm15:themeFamily xmlns:thm15="http://schemas.microsoft.com/office/thememl/2012/main" name="Office Theme" id="{62F939B6-93AF-4DB8-9C6B-D6C7DFDC589F}" vid="{4A3C46E8-61CC-4603-A589-7422A47A8E4A}"/>
+    </a:ext>
+  </a:extLst>
+</a:theme>
 </file>
--- a/Complejidad Ciclomatica Triangulo.pptx
+++ b/Complejidad Ciclomatica Triangulo.pptx
@@ -5,13 +5,14 @@
     <p:sldMasterId id="2147483660" r:id="rId1"/>
   </p:sldMasterIdLst>
   <p:notesMasterIdLst>
-    <p:notesMasterId r:id="rId6"/>
+    <p:notesMasterId r:id="rId7"/>
   </p:notesMasterIdLst>
   <p:sldIdLst>
     <p:sldId id="256" r:id="rId2"/>
     <p:sldId id="258" r:id="rId3"/>
     <p:sldId id="259" r:id="rId4"/>
-    <p:sldId id="257" r:id="rId5"/>
+    <p:sldId id="260" r:id="rId5"/>
+    <p:sldId id="257" r:id="rId6"/>
   </p:sldIdLst>
   <p:sldSz cx="9144000" cy="6858000" type="screen4x3"/>
   <p:notesSz cx="6858000" cy="9144000"/>
@@ -122,6 +123,7 @@
           <p14:sldIdLst>
             <p14:sldId id="258"/>
             <p14:sldId id="259"/>
+            <p14:sldId id="260"/>
             <p14:sldId id="257"/>
           </p14:sldIdLst>
         </p14:section>
@@ -216,7 +218,7 @@
           <a:p>
             <a:fld id="{6D2C6710-438B-4332-B97D-2FD4458EAA24}" type="datetimeFigureOut">
               <a:rPr lang="es-AR" smtClean="0"/>
-              <a:t>16/9/2018</a:t>
+              <a:t>10/10/2018</a:t>
             </a:fld>
             <a:endParaRPr lang="es-AR"/>
           </a:p>
@@ -699,7 +701,7 @@
           <a:p>
             <a:fld id="{1259EB10-FC57-4C03-B327-035A53E7A135}" type="datetimeFigureOut">
               <a:rPr lang="es-AR" smtClean="0"/>
-              <a:t>15/9/2018</a:t>
+              <a:t>10/10/2018</a:t>
             </a:fld>
             <a:endParaRPr lang="es-AR"/>
           </a:p>
@@ -869,7 +871,7 @@
           <a:p>
             <a:fld id="{1259EB10-FC57-4C03-B327-035A53E7A135}" type="datetimeFigureOut">
               <a:rPr lang="es-AR" smtClean="0"/>
-              <a:t>15/9/2018</a:t>
+              <a:t>10/10/2018</a:t>
             </a:fld>
             <a:endParaRPr lang="es-AR"/>
           </a:p>
@@ -1049,7 +1051,7 @@
           <a:p>
             <a:fld id="{1259EB10-FC57-4C03-B327-035A53E7A135}" type="datetimeFigureOut">
               <a:rPr lang="es-AR" smtClean="0"/>
-              <a:t>15/9/2018</a:t>
+              <a:t>10/10/2018</a:t>
             </a:fld>
             <a:endParaRPr lang="es-AR"/>
           </a:p>
@@ -1219,7 +1221,7 @@
           <a:p>
             <a:fld id="{1259EB10-FC57-4C03-B327-035A53E7A135}" type="datetimeFigureOut">
               <a:rPr lang="es-AR" smtClean="0"/>
-              <a:t>15/9/2018</a:t>
+              <a:t>10/10/2018</a:t>
             </a:fld>
             <a:endParaRPr lang="es-AR"/>
           </a:p>
@@ -1463,7 +1465,7 @@
           <a:p>
             <a:fld id="{1259EB10-FC57-4C03-B327-035A53E7A135}" type="datetimeFigureOut">
               <a:rPr lang="es-AR" smtClean="0"/>
-              <a:t>15/9/2018</a:t>
+              <a:t>10/10/2018</a:t>
             </a:fld>
             <a:endParaRPr lang="es-AR"/>
           </a:p>
@@ -1695,7 +1697,7 @@
           <a:p>
             <a:fld id="{1259EB10-FC57-4C03-B327-035A53E7A135}" type="datetimeFigureOut">
               <a:rPr lang="es-AR" smtClean="0"/>
-              <a:t>15/9/2018</a:t>
+              <a:t>10/10/2018</a:t>
             </a:fld>
             <a:endParaRPr lang="es-AR"/>
           </a:p>
@@ -2062,7 +2064,7 @@
           <a:p>
             <a:fld id="{1259EB10-FC57-4C03-B327-035A53E7A135}" type="datetimeFigureOut">
               <a:rPr lang="es-AR" smtClean="0"/>
-              <a:t>15/9/2018</a:t>
+              <a:t>10/10/2018</a:t>
             </a:fld>
             <a:endParaRPr lang="es-AR"/>
           </a:p>
@@ -2180,7 +2182,7 @@
           <a:p>
             <a:fld id="{1259EB10-FC57-4C03-B327-035A53E7A135}" type="datetimeFigureOut">
               <a:rPr lang="es-AR" smtClean="0"/>
-              <a:t>15/9/2018</a:t>
+              <a:t>10/10/2018</a:t>
             </a:fld>
             <a:endParaRPr lang="es-AR"/>
           </a:p>
@@ -2275,7 +2277,7 @@
           <a:p>
             <a:fld id="{1259EB10-FC57-4C03-B327-035A53E7A135}" type="datetimeFigureOut">
               <a:rPr lang="es-AR" smtClean="0"/>
-              <a:t>15/9/2018</a:t>
+              <a:t>10/10/2018</a:t>
             </a:fld>
             <a:endParaRPr lang="es-AR"/>
           </a:p>
@@ -2552,7 +2554,7 @@
           <a:p>
             <a:fld id="{1259EB10-FC57-4C03-B327-035A53E7A135}" type="datetimeFigureOut">
               <a:rPr lang="es-AR" smtClean="0"/>
-              <a:t>15/9/2018</a:t>
+              <a:t>10/10/2018</a:t>
             </a:fld>
             <a:endParaRPr lang="es-AR"/>
           </a:p>
@@ -2809,7 +2811,7 @@
           <a:p>
             <a:fld id="{1259EB10-FC57-4C03-B327-035A53E7A135}" type="datetimeFigureOut">
               <a:rPr lang="es-AR" smtClean="0"/>
-              <a:t>15/9/2018</a:t>
+              <a:t>10/10/2018</a:t>
             </a:fld>
             <a:endParaRPr lang="es-AR"/>
           </a:p>
@@ -3022,7 +3024,7 @@
           <a:p>
             <a:fld id="{1259EB10-FC57-4C03-B327-035A53E7A135}" type="datetimeFigureOut">
               <a:rPr lang="es-AR" smtClean="0"/>
-              <a:t>15/9/2018</a:t>
+              <a:t>10/10/2018</a:t>
             </a:fld>
             <a:endParaRPr lang="es-AR"/>
           </a:p>
@@ -3432,7 +3434,7 @@
           <p:cNvPr id="12" name="Diagrama de flujo: conector 11">
             <a:extLst>
               <a:ext uri="{FF2B5EF4-FFF2-40B4-BE49-F238E27FC236}">
-                <a16:creationId xmlns:a16="http://schemas.microsoft.com/office/drawing/2014/main" xmlns="" id="{C07E034C-B5EE-4D5E-B551-690252C04895}"/>
+                <a16:creationId xmlns="" xmlns:a16="http://schemas.microsoft.com/office/drawing/2014/main" id="{C07E034C-B5EE-4D5E-B551-690252C04895}"/>
               </a:ext>
             </a:extLst>
           </p:cNvPr>
@@ -3494,7 +3496,7 @@
           <p:cNvPr id="13" name="Diagrama de flujo: conector 12">
             <a:extLst>
               <a:ext uri="{FF2B5EF4-FFF2-40B4-BE49-F238E27FC236}">
-                <a16:creationId xmlns:a16="http://schemas.microsoft.com/office/drawing/2014/main" xmlns="" id="{19A7BB2B-A4D8-41FF-86E4-C4B33628906A}"/>
+                <a16:creationId xmlns="" xmlns:a16="http://schemas.microsoft.com/office/drawing/2014/main" id="{19A7BB2B-A4D8-41FF-86E4-C4B33628906A}"/>
               </a:ext>
             </a:extLst>
           </p:cNvPr>
@@ -3556,7 +3558,7 @@
           <p:cNvPr id="14" name="Diagrama de flujo: conector 13">
             <a:extLst>
               <a:ext uri="{FF2B5EF4-FFF2-40B4-BE49-F238E27FC236}">
-                <a16:creationId xmlns:a16="http://schemas.microsoft.com/office/drawing/2014/main" xmlns="" id="{15F2E4A4-6AAC-4A5B-AC64-D2B022D1BC2B}"/>
+                <a16:creationId xmlns="" xmlns:a16="http://schemas.microsoft.com/office/drawing/2014/main" id="{15F2E4A4-6AAC-4A5B-AC64-D2B022D1BC2B}"/>
               </a:ext>
             </a:extLst>
           </p:cNvPr>
@@ -3618,7 +3620,7 @@
           <p:cNvPr id="15" name="Diagrama de flujo: conector 14">
             <a:extLst>
               <a:ext uri="{FF2B5EF4-FFF2-40B4-BE49-F238E27FC236}">
-                <a16:creationId xmlns:a16="http://schemas.microsoft.com/office/drawing/2014/main" xmlns="" id="{FD04720A-8CFC-4EF1-ACCC-952499DD98F3}"/>
+                <a16:creationId xmlns="" xmlns:a16="http://schemas.microsoft.com/office/drawing/2014/main" id="{FD04720A-8CFC-4EF1-ACCC-952499DD98F3}"/>
               </a:ext>
             </a:extLst>
           </p:cNvPr>
@@ -3680,7 +3682,7 @@
           <p:cNvPr id="16" name="Diagrama de flujo: conector 15">
             <a:extLst>
               <a:ext uri="{FF2B5EF4-FFF2-40B4-BE49-F238E27FC236}">
-                <a16:creationId xmlns:a16="http://schemas.microsoft.com/office/drawing/2014/main" xmlns="" id="{BEB68F6B-6417-46F7-BD84-78DA64505F48}"/>
+                <a16:creationId xmlns="" xmlns:a16="http://schemas.microsoft.com/office/drawing/2014/main" id="{BEB68F6B-6417-46F7-BD84-78DA64505F48}"/>
               </a:ext>
             </a:extLst>
           </p:cNvPr>
@@ -3742,7 +3744,7 @@
           <p:cNvPr id="17" name="Diagrama de flujo: conector 16">
             <a:extLst>
               <a:ext uri="{FF2B5EF4-FFF2-40B4-BE49-F238E27FC236}">
-                <a16:creationId xmlns:a16="http://schemas.microsoft.com/office/drawing/2014/main" xmlns="" id="{B0D86F5D-9096-424A-B353-613D9B2700FF}"/>
+                <a16:creationId xmlns="" xmlns:a16="http://schemas.microsoft.com/office/drawing/2014/main" id="{B0D86F5D-9096-424A-B353-613D9B2700FF}"/>
               </a:ext>
             </a:extLst>
           </p:cNvPr>
@@ -3804,7 +3806,7 @@
           <p:cNvPr id="18" name="Diagrama de flujo: conector 17">
             <a:extLst>
               <a:ext uri="{FF2B5EF4-FFF2-40B4-BE49-F238E27FC236}">
-                <a16:creationId xmlns:a16="http://schemas.microsoft.com/office/drawing/2014/main" xmlns="" id="{5013B220-AA5E-45E0-88BD-561C345EF024}"/>
+                <a16:creationId xmlns="" xmlns:a16="http://schemas.microsoft.com/office/drawing/2014/main" id="{5013B220-AA5E-45E0-88BD-561C345EF024}"/>
               </a:ext>
             </a:extLst>
           </p:cNvPr>
@@ -3866,7 +3868,7 @@
           <p:cNvPr id="19" name="Diagrama de flujo: conector 18">
             <a:extLst>
               <a:ext uri="{FF2B5EF4-FFF2-40B4-BE49-F238E27FC236}">
-                <a16:creationId xmlns:a16="http://schemas.microsoft.com/office/drawing/2014/main" xmlns="" id="{813E91EA-062C-439D-A943-3E0E634B9A72}"/>
+                <a16:creationId xmlns="" xmlns:a16="http://schemas.microsoft.com/office/drawing/2014/main" id="{813E91EA-062C-439D-A943-3E0E634B9A72}"/>
               </a:ext>
             </a:extLst>
           </p:cNvPr>
@@ -3928,7 +3930,7 @@
           <p:cNvPr id="20" name="Diagrama de flujo: conector 19">
             <a:extLst>
               <a:ext uri="{FF2B5EF4-FFF2-40B4-BE49-F238E27FC236}">
-                <a16:creationId xmlns:a16="http://schemas.microsoft.com/office/drawing/2014/main" xmlns="" id="{6C86E10D-C4D7-4099-861D-BC9E876C5DDF}"/>
+                <a16:creationId xmlns="" xmlns:a16="http://schemas.microsoft.com/office/drawing/2014/main" id="{6C86E10D-C4D7-4099-861D-BC9E876C5DDF}"/>
               </a:ext>
             </a:extLst>
           </p:cNvPr>
@@ -3990,7 +3992,7 @@
           <p:cNvPr id="21" name="Diagrama de flujo: conector 20">
             <a:extLst>
               <a:ext uri="{FF2B5EF4-FFF2-40B4-BE49-F238E27FC236}">
-                <a16:creationId xmlns:a16="http://schemas.microsoft.com/office/drawing/2014/main" xmlns="" id="{07AE0D68-367D-4CBC-AA3B-DA3A53F1F7B9}"/>
+                <a16:creationId xmlns="" xmlns:a16="http://schemas.microsoft.com/office/drawing/2014/main" id="{07AE0D68-367D-4CBC-AA3B-DA3A53F1F7B9}"/>
               </a:ext>
             </a:extLst>
           </p:cNvPr>
@@ -4052,7 +4054,7 @@
           <p:cNvPr id="22" name="Diagrama de flujo: conector 21">
             <a:extLst>
               <a:ext uri="{FF2B5EF4-FFF2-40B4-BE49-F238E27FC236}">
-                <a16:creationId xmlns:a16="http://schemas.microsoft.com/office/drawing/2014/main" xmlns="" id="{76F4E711-D924-4938-ADD6-95D94013436B}"/>
+                <a16:creationId xmlns="" xmlns:a16="http://schemas.microsoft.com/office/drawing/2014/main" id="{76F4E711-D924-4938-ADD6-95D94013436B}"/>
               </a:ext>
             </a:extLst>
           </p:cNvPr>
@@ -4114,7 +4116,7 @@
           <p:cNvPr id="23" name="Diagrama de flujo: conector 22">
             <a:extLst>
               <a:ext uri="{FF2B5EF4-FFF2-40B4-BE49-F238E27FC236}">
-                <a16:creationId xmlns:a16="http://schemas.microsoft.com/office/drawing/2014/main" xmlns="" id="{71A89DFB-2C59-4CC5-9490-3C2893F3FCF0}"/>
+                <a16:creationId xmlns="" xmlns:a16="http://schemas.microsoft.com/office/drawing/2014/main" id="{71A89DFB-2C59-4CC5-9490-3C2893F3FCF0}"/>
               </a:ext>
             </a:extLst>
           </p:cNvPr>
@@ -4176,7 +4178,7 @@
           <p:cNvPr id="24" name="Diagrama de flujo: conector 23">
             <a:extLst>
               <a:ext uri="{FF2B5EF4-FFF2-40B4-BE49-F238E27FC236}">
-                <a16:creationId xmlns:a16="http://schemas.microsoft.com/office/drawing/2014/main" xmlns="" id="{E5D094DC-F8AF-44E6-80E0-F10AA18F9DC0}"/>
+                <a16:creationId xmlns="" xmlns:a16="http://schemas.microsoft.com/office/drawing/2014/main" id="{E5D094DC-F8AF-44E6-80E0-F10AA18F9DC0}"/>
               </a:ext>
             </a:extLst>
           </p:cNvPr>
@@ -4238,7 +4240,7 @@
           <p:cNvPr id="25" name="Diagrama de flujo: conector 24">
             <a:extLst>
               <a:ext uri="{FF2B5EF4-FFF2-40B4-BE49-F238E27FC236}">
-                <a16:creationId xmlns:a16="http://schemas.microsoft.com/office/drawing/2014/main" xmlns="" id="{51083CBF-A6AC-45D9-9208-383BB1F59078}"/>
+                <a16:creationId xmlns="" xmlns:a16="http://schemas.microsoft.com/office/drawing/2014/main" id="{51083CBF-A6AC-45D9-9208-383BB1F59078}"/>
               </a:ext>
             </a:extLst>
           </p:cNvPr>
@@ -4300,7 +4302,7 @@
           <p:cNvPr id="26" name="Diagrama de flujo: conector 25">
             <a:extLst>
               <a:ext uri="{FF2B5EF4-FFF2-40B4-BE49-F238E27FC236}">
-                <a16:creationId xmlns:a16="http://schemas.microsoft.com/office/drawing/2014/main" xmlns="" id="{540D070A-426F-4CF9-8D88-8CBB269CE346}"/>
+                <a16:creationId xmlns="" xmlns:a16="http://schemas.microsoft.com/office/drawing/2014/main" id="{540D070A-426F-4CF9-8D88-8CBB269CE346}"/>
               </a:ext>
             </a:extLst>
           </p:cNvPr>
@@ -4362,7 +4364,7 @@
           <p:cNvPr id="27" name="Diagrama de flujo: conector 26">
             <a:extLst>
               <a:ext uri="{FF2B5EF4-FFF2-40B4-BE49-F238E27FC236}">
-                <a16:creationId xmlns:a16="http://schemas.microsoft.com/office/drawing/2014/main" xmlns="" id="{4C6C6771-4EC0-46F2-B6AC-1F06C1755180}"/>
+                <a16:creationId xmlns="" xmlns:a16="http://schemas.microsoft.com/office/drawing/2014/main" id="{4C6C6771-4EC0-46F2-B6AC-1F06C1755180}"/>
               </a:ext>
             </a:extLst>
           </p:cNvPr>
@@ -4424,7 +4426,7 @@
           <p:cNvPr id="28" name="Diagrama de flujo: conector 27">
             <a:extLst>
               <a:ext uri="{FF2B5EF4-FFF2-40B4-BE49-F238E27FC236}">
-                <a16:creationId xmlns:a16="http://schemas.microsoft.com/office/drawing/2014/main" xmlns="" id="{112BC36B-A668-4524-B419-569F8E40D574}"/>
+                <a16:creationId xmlns="" xmlns:a16="http://schemas.microsoft.com/office/drawing/2014/main" id="{112BC36B-A668-4524-B419-569F8E40D574}"/>
               </a:ext>
             </a:extLst>
           </p:cNvPr>
@@ -4486,7 +4488,7 @@
           <p:cNvPr id="30" name="Conector recto de flecha 29">
             <a:extLst>
               <a:ext uri="{FF2B5EF4-FFF2-40B4-BE49-F238E27FC236}">
-                <a16:creationId xmlns:a16="http://schemas.microsoft.com/office/drawing/2014/main" xmlns="" id="{C3E1304A-37F3-4ACD-8E93-FA054EA4A9A5}"/>
+                <a16:creationId xmlns="" xmlns:a16="http://schemas.microsoft.com/office/drawing/2014/main" id="{C3E1304A-37F3-4ACD-8E93-FA054EA4A9A5}"/>
               </a:ext>
             </a:extLst>
           </p:cNvPr>
@@ -4529,7 +4531,7 @@
           <p:cNvPr id="43" name="Conector recto de flecha 42">
             <a:extLst>
               <a:ext uri="{FF2B5EF4-FFF2-40B4-BE49-F238E27FC236}">
-                <a16:creationId xmlns:a16="http://schemas.microsoft.com/office/drawing/2014/main" xmlns="" id="{02919285-D95F-42BA-BD79-118B3886A74C}"/>
+                <a16:creationId xmlns="" xmlns:a16="http://schemas.microsoft.com/office/drawing/2014/main" id="{02919285-D95F-42BA-BD79-118B3886A74C}"/>
               </a:ext>
             </a:extLst>
           </p:cNvPr>
@@ -4572,7 +4574,7 @@
           <p:cNvPr id="45" name="Conector recto de flecha 44">
             <a:extLst>
               <a:ext uri="{FF2B5EF4-FFF2-40B4-BE49-F238E27FC236}">
-                <a16:creationId xmlns:a16="http://schemas.microsoft.com/office/drawing/2014/main" xmlns="" id="{F9734440-5F22-439D-8A24-58206D729632}"/>
+                <a16:creationId xmlns="" xmlns:a16="http://schemas.microsoft.com/office/drawing/2014/main" id="{F9734440-5F22-439D-8A24-58206D729632}"/>
               </a:ext>
             </a:extLst>
           </p:cNvPr>
@@ -4615,7 +4617,7 @@
           <p:cNvPr id="47" name="Conector recto de flecha 46">
             <a:extLst>
               <a:ext uri="{FF2B5EF4-FFF2-40B4-BE49-F238E27FC236}">
-                <a16:creationId xmlns:a16="http://schemas.microsoft.com/office/drawing/2014/main" xmlns="" id="{B353D101-3D0D-4D7E-9CED-0CC7BEB06A46}"/>
+                <a16:creationId xmlns="" xmlns:a16="http://schemas.microsoft.com/office/drawing/2014/main" id="{B353D101-3D0D-4D7E-9CED-0CC7BEB06A46}"/>
               </a:ext>
             </a:extLst>
           </p:cNvPr>
@@ -4658,7 +4660,7 @@
           <p:cNvPr id="49" name="Conector recto de flecha 48">
             <a:extLst>
               <a:ext uri="{FF2B5EF4-FFF2-40B4-BE49-F238E27FC236}">
-                <a16:creationId xmlns:a16="http://schemas.microsoft.com/office/drawing/2014/main" xmlns="" id="{2BF7E59F-C234-4FBD-8AC7-513A74AA3630}"/>
+                <a16:creationId xmlns="" xmlns:a16="http://schemas.microsoft.com/office/drawing/2014/main" id="{2BF7E59F-C234-4FBD-8AC7-513A74AA3630}"/>
               </a:ext>
             </a:extLst>
           </p:cNvPr>
@@ -4701,7 +4703,7 @@
           <p:cNvPr id="51" name="Conector recto de flecha 50">
             <a:extLst>
               <a:ext uri="{FF2B5EF4-FFF2-40B4-BE49-F238E27FC236}">
-                <a16:creationId xmlns:a16="http://schemas.microsoft.com/office/drawing/2014/main" xmlns="" id="{7DD1A461-975D-4C28-BA2C-3EC859AA44D0}"/>
+                <a16:creationId xmlns="" xmlns:a16="http://schemas.microsoft.com/office/drawing/2014/main" id="{7DD1A461-975D-4C28-BA2C-3EC859AA44D0}"/>
               </a:ext>
             </a:extLst>
           </p:cNvPr>
@@ -4743,7 +4745,7 @@
           <p:cNvPr id="53" name="Conector recto de flecha 52">
             <a:extLst>
               <a:ext uri="{FF2B5EF4-FFF2-40B4-BE49-F238E27FC236}">
-                <a16:creationId xmlns:a16="http://schemas.microsoft.com/office/drawing/2014/main" xmlns="" id="{6987A33A-B7B1-44A7-B40A-9C0B49AAFE08}"/>
+                <a16:creationId xmlns="" xmlns:a16="http://schemas.microsoft.com/office/drawing/2014/main" id="{6987A33A-B7B1-44A7-B40A-9C0B49AAFE08}"/>
               </a:ext>
             </a:extLst>
           </p:cNvPr>
@@ -4786,7 +4788,7 @@
           <p:cNvPr id="55" name="Conector recto de flecha 54">
             <a:extLst>
               <a:ext uri="{FF2B5EF4-FFF2-40B4-BE49-F238E27FC236}">
-                <a16:creationId xmlns:a16="http://schemas.microsoft.com/office/drawing/2014/main" xmlns="" id="{7AB2D6BD-8892-4875-A672-5256B6270392}"/>
+                <a16:creationId xmlns="" xmlns:a16="http://schemas.microsoft.com/office/drawing/2014/main" id="{7AB2D6BD-8892-4875-A672-5256B6270392}"/>
               </a:ext>
             </a:extLst>
           </p:cNvPr>
@@ -4829,7 +4831,7 @@
           <p:cNvPr id="57" name="Conector recto de flecha 56">
             <a:extLst>
               <a:ext uri="{FF2B5EF4-FFF2-40B4-BE49-F238E27FC236}">
-                <a16:creationId xmlns:a16="http://schemas.microsoft.com/office/drawing/2014/main" xmlns="" id="{0913957E-AEB6-4317-96FF-E8269C4ED410}"/>
+                <a16:creationId xmlns="" xmlns:a16="http://schemas.microsoft.com/office/drawing/2014/main" id="{0913957E-AEB6-4317-96FF-E8269C4ED410}"/>
               </a:ext>
             </a:extLst>
           </p:cNvPr>
@@ -4872,7 +4874,7 @@
           <p:cNvPr id="59" name="Conector recto de flecha 58">
             <a:extLst>
               <a:ext uri="{FF2B5EF4-FFF2-40B4-BE49-F238E27FC236}">
-                <a16:creationId xmlns:a16="http://schemas.microsoft.com/office/drawing/2014/main" xmlns="" id="{B2330C9D-3D5D-4574-B2A0-7D0BF47ADAA2}"/>
+                <a16:creationId xmlns="" xmlns:a16="http://schemas.microsoft.com/office/drawing/2014/main" id="{B2330C9D-3D5D-4574-B2A0-7D0BF47ADAA2}"/>
               </a:ext>
             </a:extLst>
           </p:cNvPr>
@@ -4915,7 +4917,7 @@
           <p:cNvPr id="61" name="Conector recto de flecha 60">
             <a:extLst>
               <a:ext uri="{FF2B5EF4-FFF2-40B4-BE49-F238E27FC236}">
-                <a16:creationId xmlns:a16="http://schemas.microsoft.com/office/drawing/2014/main" xmlns="" id="{73135A68-6061-4BF9-AC3E-B7A8D945A409}"/>
+                <a16:creationId xmlns="" xmlns:a16="http://schemas.microsoft.com/office/drawing/2014/main" id="{73135A68-6061-4BF9-AC3E-B7A8D945A409}"/>
               </a:ext>
             </a:extLst>
           </p:cNvPr>
@@ -4958,7 +4960,7 @@
           <p:cNvPr id="63" name="Conector recto de flecha 62">
             <a:extLst>
               <a:ext uri="{FF2B5EF4-FFF2-40B4-BE49-F238E27FC236}">
-                <a16:creationId xmlns:a16="http://schemas.microsoft.com/office/drawing/2014/main" xmlns="" id="{220D600A-FE34-4A42-BDE4-C9DC4B5DE18A}"/>
+                <a16:creationId xmlns="" xmlns:a16="http://schemas.microsoft.com/office/drawing/2014/main" id="{220D600A-FE34-4A42-BDE4-C9DC4B5DE18A}"/>
               </a:ext>
             </a:extLst>
           </p:cNvPr>
@@ -5001,7 +5003,7 @@
           <p:cNvPr id="65" name="Conector recto de flecha 64">
             <a:extLst>
               <a:ext uri="{FF2B5EF4-FFF2-40B4-BE49-F238E27FC236}">
-                <a16:creationId xmlns:a16="http://schemas.microsoft.com/office/drawing/2014/main" xmlns="" id="{359F9930-F815-477B-828E-4703F28E315F}"/>
+                <a16:creationId xmlns="" xmlns:a16="http://schemas.microsoft.com/office/drawing/2014/main" id="{359F9930-F815-477B-828E-4703F28E315F}"/>
               </a:ext>
             </a:extLst>
           </p:cNvPr>
@@ -5044,7 +5046,7 @@
           <p:cNvPr id="67" name="Conector recto de flecha 66">
             <a:extLst>
               <a:ext uri="{FF2B5EF4-FFF2-40B4-BE49-F238E27FC236}">
-                <a16:creationId xmlns:a16="http://schemas.microsoft.com/office/drawing/2014/main" xmlns="" id="{2554C9D8-34BF-4D2E-854E-707F93740976}"/>
+                <a16:creationId xmlns="" xmlns:a16="http://schemas.microsoft.com/office/drawing/2014/main" id="{2554C9D8-34BF-4D2E-854E-707F93740976}"/>
               </a:ext>
             </a:extLst>
           </p:cNvPr>
@@ -5087,7 +5089,7 @@
           <p:cNvPr id="69" name="Conector recto de flecha 68">
             <a:extLst>
               <a:ext uri="{FF2B5EF4-FFF2-40B4-BE49-F238E27FC236}">
-                <a16:creationId xmlns:a16="http://schemas.microsoft.com/office/drawing/2014/main" xmlns="" id="{2981EFFC-F0FD-4B65-8F15-A583FAC88EB9}"/>
+                <a16:creationId xmlns="" xmlns:a16="http://schemas.microsoft.com/office/drawing/2014/main" id="{2981EFFC-F0FD-4B65-8F15-A583FAC88EB9}"/>
               </a:ext>
             </a:extLst>
           </p:cNvPr>
@@ -5130,7 +5132,7 @@
           <p:cNvPr id="71" name="Conector recto de flecha 70">
             <a:extLst>
               <a:ext uri="{FF2B5EF4-FFF2-40B4-BE49-F238E27FC236}">
-                <a16:creationId xmlns:a16="http://schemas.microsoft.com/office/drawing/2014/main" xmlns="" id="{723399BA-F841-4387-906B-8D3887BC0B6C}"/>
+                <a16:creationId xmlns="" xmlns:a16="http://schemas.microsoft.com/office/drawing/2014/main" id="{723399BA-F841-4387-906B-8D3887BC0B6C}"/>
               </a:ext>
             </a:extLst>
           </p:cNvPr>
@@ -5172,7 +5174,7 @@
           <p:cNvPr id="73" name="Conector recto de flecha 72">
             <a:extLst>
               <a:ext uri="{FF2B5EF4-FFF2-40B4-BE49-F238E27FC236}">
-                <a16:creationId xmlns:a16="http://schemas.microsoft.com/office/drawing/2014/main" xmlns="" id="{3C94720E-944E-4006-A108-F5E321E7FDBA}"/>
+                <a16:creationId xmlns="" xmlns:a16="http://schemas.microsoft.com/office/drawing/2014/main" id="{3C94720E-944E-4006-A108-F5E321E7FDBA}"/>
               </a:ext>
             </a:extLst>
           </p:cNvPr>
@@ -5215,7 +5217,7 @@
           <p:cNvPr id="75" name="Conector recto de flecha 74">
             <a:extLst>
               <a:ext uri="{FF2B5EF4-FFF2-40B4-BE49-F238E27FC236}">
-                <a16:creationId xmlns:a16="http://schemas.microsoft.com/office/drawing/2014/main" xmlns="" id="{639E0549-7295-40CF-8076-EAF0AC473F5B}"/>
+                <a16:creationId xmlns="" xmlns:a16="http://schemas.microsoft.com/office/drawing/2014/main" id="{639E0549-7295-40CF-8076-EAF0AC473F5B}"/>
               </a:ext>
             </a:extLst>
           </p:cNvPr>
@@ -5258,7 +5260,7 @@
           <p:cNvPr id="77" name="Conector recto de flecha 76">
             <a:extLst>
               <a:ext uri="{FF2B5EF4-FFF2-40B4-BE49-F238E27FC236}">
-                <a16:creationId xmlns:a16="http://schemas.microsoft.com/office/drawing/2014/main" xmlns="" id="{82F99B2A-EB93-41A8-8879-CB4D20D29206}"/>
+                <a16:creationId xmlns="" xmlns:a16="http://schemas.microsoft.com/office/drawing/2014/main" id="{82F99B2A-EB93-41A8-8879-CB4D20D29206}"/>
               </a:ext>
             </a:extLst>
           </p:cNvPr>
@@ -5301,7 +5303,7 @@
           <p:cNvPr id="103" name="Conector: curvado 102">
             <a:extLst>
               <a:ext uri="{FF2B5EF4-FFF2-40B4-BE49-F238E27FC236}">
-                <a16:creationId xmlns:a16="http://schemas.microsoft.com/office/drawing/2014/main" xmlns="" id="{437937ED-C4BA-410F-930C-A28E3D33FCC0}"/>
+                <a16:creationId xmlns="" xmlns:a16="http://schemas.microsoft.com/office/drawing/2014/main" id="{437937ED-C4BA-410F-930C-A28E3D33FCC0}"/>
               </a:ext>
             </a:extLst>
           </p:cNvPr>
@@ -5346,7 +5348,7 @@
           <p:cNvPr id="2" name="CuadroTexto 1">
             <a:extLst>
               <a:ext uri="{FF2B5EF4-FFF2-40B4-BE49-F238E27FC236}">
-                <a16:creationId xmlns:a16="http://schemas.microsoft.com/office/drawing/2014/main" xmlns="" id="{0B1B3F42-5929-4709-B443-042C12EC69F1}"/>
+                <a16:creationId xmlns="" xmlns:a16="http://schemas.microsoft.com/office/drawing/2014/main" id="{0B1B3F42-5929-4709-B443-042C12EC69F1}"/>
               </a:ext>
             </a:extLst>
           </p:cNvPr>
@@ -5493,7 +5495,7 @@
           <p:cNvPr id="4" name="Conector: angular 3">
             <a:extLst>
               <a:ext uri="{FF2B5EF4-FFF2-40B4-BE49-F238E27FC236}">
-                <a16:creationId xmlns:a16="http://schemas.microsoft.com/office/drawing/2014/main" xmlns="" id="{F8EE469A-2024-4BAB-9ADB-9858EE43919E}"/>
+                <a16:creationId xmlns="" xmlns:a16="http://schemas.microsoft.com/office/drawing/2014/main" id="{F8EE469A-2024-4BAB-9ADB-9858EE43919E}"/>
               </a:ext>
             </a:extLst>
           </p:cNvPr>
@@ -5534,7 +5536,7 @@
           <p:cNvPr id="6" name="Conector: angular 5">
             <a:extLst>
               <a:ext uri="{FF2B5EF4-FFF2-40B4-BE49-F238E27FC236}">
-                <a16:creationId xmlns:a16="http://schemas.microsoft.com/office/drawing/2014/main" xmlns="" id="{BF5238D3-F5B9-4122-AE74-FC099014646B}"/>
+                <a16:creationId xmlns="" xmlns:a16="http://schemas.microsoft.com/office/drawing/2014/main" id="{BF5238D3-F5B9-4122-AE74-FC099014646B}"/>
               </a:ext>
             </a:extLst>
           </p:cNvPr>
@@ -6099,12 +6101,641 @@
           <a:chExt cx="0" cy="0"/>
         </a:xfrm>
       </p:grpSpPr>
+      <p:graphicFrame>
+        <p:nvGraphicFramePr>
+          <p:cNvPr id="4" name="Tabla 3"/>
+          <p:cNvGraphicFramePr>
+            <a:graphicFrameLocks noGrp="1"/>
+          </p:cNvGraphicFramePr>
+          <p:nvPr>
+            <p:extLst>
+              <p:ext uri="{D42A27DB-BD31-4B8C-83A1-F6EECF244321}">
+                <p14:modId xmlns:p14="http://schemas.microsoft.com/office/powerpoint/2010/main" val="1907291528"/>
+              </p:ext>
+            </p:extLst>
+          </p:nvPr>
+        </p:nvGraphicFramePr>
+        <p:xfrm>
+          <a:off x="431802" y="684728"/>
+          <a:ext cx="7171265" cy="3761274"/>
+        </p:xfrm>
+        <a:graphic>
+          <a:graphicData uri="http://schemas.openxmlformats.org/drawingml/2006/table">
+            <a:tbl>
+              <a:tblPr firstRow="1" bandRow="1">
+                <a:tableStyleId>{5C22544A-7EE6-4342-B048-85BDC9FD1C3A}</a:tableStyleId>
+              </a:tblPr>
+              <a:tblGrid>
+                <a:gridCol w="1100665"/>
+                <a:gridCol w="1767841"/>
+                <a:gridCol w="1434253"/>
+                <a:gridCol w="1434253"/>
+                <a:gridCol w="1434253"/>
+              </a:tblGrid>
+              <a:tr h="638351">
+                <a:tc>
+                  <a:txBody>
+                    <a:bodyPr/>
+                    <a:lstStyle/>
+                    <a:p>
+                      <a:r>
+                        <a:rPr lang="es-AR" dirty="0" smtClean="0"/>
+                        <a:t>CASO</a:t>
+                      </a:r>
+                      <a:r>
+                        <a:rPr lang="es-AR" baseline="0" dirty="0" smtClean="0"/>
+                        <a:t> CAMINO</a:t>
+                      </a:r>
+                      <a:endParaRPr lang="es-AR" dirty="0"/>
+                    </a:p>
+                  </a:txBody>
+                  <a:tcPr/>
+                </a:tc>
+                <a:tc>
+                  <a:txBody>
+                    <a:bodyPr/>
+                    <a:lstStyle/>
+                    <a:p>
+                      <a:r>
+                        <a:rPr lang="es-AR" dirty="0" smtClean="0"/>
+                        <a:t>L1</a:t>
+                      </a:r>
+                      <a:endParaRPr lang="es-AR" dirty="0"/>
+                    </a:p>
+                  </a:txBody>
+                  <a:tcPr/>
+                </a:tc>
+                <a:tc>
+                  <a:txBody>
+                    <a:bodyPr/>
+                    <a:lstStyle/>
+                    <a:p>
+                      <a:r>
+                        <a:rPr lang="es-AR" dirty="0" smtClean="0"/>
+                        <a:t>L2</a:t>
+                      </a:r>
+                      <a:endParaRPr lang="es-AR" dirty="0"/>
+                    </a:p>
+                  </a:txBody>
+                  <a:tcPr/>
+                </a:tc>
+                <a:tc>
+                  <a:txBody>
+                    <a:bodyPr/>
+                    <a:lstStyle/>
+                    <a:p>
+                      <a:r>
+                        <a:rPr lang="es-AR" dirty="0" smtClean="0"/>
+                        <a:t>L3</a:t>
+                      </a:r>
+                      <a:endParaRPr lang="es-AR" dirty="0"/>
+                    </a:p>
+                  </a:txBody>
+                  <a:tcPr/>
+                </a:tc>
+                <a:tc>
+                  <a:txBody>
+                    <a:bodyPr/>
+                    <a:lstStyle/>
+                    <a:p>
+                      <a:r>
+                        <a:rPr lang="es-AR" dirty="0" smtClean="0"/>
+                        <a:t>Resultado Obtenido</a:t>
+                      </a:r>
+                      <a:endParaRPr lang="es-AR" dirty="0"/>
+                    </a:p>
+                  </a:txBody>
+                  <a:tcPr/>
+                </a:tc>
+              </a:tr>
+              <a:tr h="369838">
+                <a:tc>
+                  <a:txBody>
+                    <a:bodyPr/>
+                    <a:lstStyle/>
+                    <a:p>
+                      <a:r>
+                        <a:rPr lang="es-AR" dirty="0" smtClean="0"/>
+                        <a:t>A</a:t>
+                      </a:r>
+                      <a:endParaRPr lang="es-AR" dirty="0"/>
+                    </a:p>
+                  </a:txBody>
+                  <a:tcPr/>
+                </a:tc>
+                <a:tc>
+                  <a:txBody>
+                    <a:bodyPr/>
+                    <a:lstStyle/>
+                    <a:p>
+                      <a:endParaRPr lang="es-AR" dirty="0"/>
+                    </a:p>
+                  </a:txBody>
+                  <a:tcPr/>
+                </a:tc>
+                <a:tc>
+                  <a:txBody>
+                    <a:bodyPr/>
+                    <a:lstStyle/>
+                    <a:p>
+                      <a:endParaRPr lang="es-AR"/>
+                    </a:p>
+                  </a:txBody>
+                  <a:tcPr/>
+                </a:tc>
+                <a:tc>
+                  <a:txBody>
+                    <a:bodyPr/>
+                    <a:lstStyle/>
+                    <a:p>
+                      <a:endParaRPr lang="es-AR"/>
+                    </a:p>
+                  </a:txBody>
+                  <a:tcPr/>
+                </a:tc>
+                <a:tc>
+                  <a:txBody>
+                    <a:bodyPr/>
+                    <a:lstStyle/>
+                    <a:p>
+                      <a:endParaRPr lang="es-AR" dirty="0"/>
+                    </a:p>
+                  </a:txBody>
+                  <a:tcPr/>
+                </a:tc>
+              </a:tr>
+              <a:tr h="638351">
+                <a:tc>
+                  <a:txBody>
+                    <a:bodyPr/>
+                    <a:lstStyle/>
+                    <a:p>
+                      <a:r>
+                        <a:rPr lang="es-AR" dirty="0" smtClean="0"/>
+                        <a:t>B</a:t>
+                      </a:r>
+                      <a:endParaRPr lang="es-AR" dirty="0"/>
+                    </a:p>
+                  </a:txBody>
+                  <a:tcPr/>
+                </a:tc>
+                <a:tc>
+                  <a:txBody>
+                    <a:bodyPr/>
+                    <a:lstStyle/>
+                    <a:p>
+                      <a:r>
+                        <a:rPr lang="es-AR" dirty="0" smtClean="0"/>
+                        <a:t>1</a:t>
+                      </a:r>
+                      <a:endParaRPr lang="es-AR" dirty="0"/>
+                    </a:p>
+                  </a:txBody>
+                  <a:tcPr/>
+                </a:tc>
+                <a:tc>
+                  <a:txBody>
+                    <a:bodyPr/>
+                    <a:lstStyle/>
+                    <a:p>
+                      <a:r>
+                        <a:rPr lang="es-AR" dirty="0" smtClean="0"/>
+                        <a:t>2</a:t>
+                      </a:r>
+                      <a:endParaRPr lang="es-AR" dirty="0"/>
+                    </a:p>
+                  </a:txBody>
+                  <a:tcPr/>
+                </a:tc>
+                <a:tc>
+                  <a:txBody>
+                    <a:bodyPr/>
+                    <a:lstStyle/>
+                    <a:p>
+                      <a:endParaRPr lang="es-AR" dirty="0"/>
+                    </a:p>
+                  </a:txBody>
+                  <a:tcPr/>
+                </a:tc>
+                <a:tc>
+                  <a:txBody>
+                    <a:bodyPr/>
+                    <a:lstStyle/>
+                    <a:p>
+                      <a:r>
+                        <a:rPr lang="es-AR" dirty="0" smtClean="0"/>
+                        <a:t>No Hay 3</a:t>
+                      </a:r>
+                      <a:r>
+                        <a:rPr lang="es-AR" baseline="0" dirty="0" smtClean="0"/>
+                        <a:t> Lados</a:t>
+                      </a:r>
+                      <a:endParaRPr lang="es-AR" dirty="0"/>
+                    </a:p>
+                  </a:txBody>
+                  <a:tcPr/>
+                </a:tc>
+              </a:tr>
+              <a:tr h="369838">
+                <a:tc>
+                  <a:txBody>
+                    <a:bodyPr/>
+                    <a:lstStyle/>
+                    <a:p>
+                      <a:r>
+                        <a:rPr lang="es-AR" dirty="0" smtClean="0"/>
+                        <a:t>C</a:t>
+                      </a:r>
+                      <a:endParaRPr lang="es-AR" dirty="0"/>
+                    </a:p>
+                  </a:txBody>
+                  <a:tcPr/>
+                </a:tc>
+                <a:tc>
+                  <a:txBody>
+                    <a:bodyPr/>
+                    <a:lstStyle/>
+                    <a:p>
+                      <a:r>
+                        <a:rPr lang="es-AR" dirty="0" smtClean="0"/>
+                        <a:t>-1</a:t>
+                      </a:r>
+                      <a:endParaRPr lang="es-AR" dirty="0"/>
+                    </a:p>
+                  </a:txBody>
+                  <a:tcPr/>
+                </a:tc>
+                <a:tc>
+                  <a:txBody>
+                    <a:bodyPr/>
+                    <a:lstStyle/>
+                    <a:p>
+                      <a:r>
+                        <a:rPr lang="es-AR" dirty="0" smtClean="0"/>
+                        <a:t>2</a:t>
+                      </a:r>
+                      <a:endParaRPr lang="es-AR" dirty="0"/>
+                    </a:p>
+                  </a:txBody>
+                  <a:tcPr/>
+                </a:tc>
+                <a:tc>
+                  <a:txBody>
+                    <a:bodyPr/>
+                    <a:lstStyle/>
+                    <a:p>
+                      <a:r>
+                        <a:rPr lang="es-AR" dirty="0" smtClean="0"/>
+                        <a:t>5</a:t>
+                      </a:r>
+                      <a:endParaRPr lang="es-AR" dirty="0"/>
+                    </a:p>
+                  </a:txBody>
+                  <a:tcPr/>
+                </a:tc>
+                <a:tc>
+                  <a:txBody>
+                    <a:bodyPr/>
+                    <a:lstStyle/>
+                    <a:p>
+                      <a:r>
+                        <a:rPr lang="es-AR" dirty="0" smtClean="0"/>
+                        <a:t>Números no validos</a:t>
+                      </a:r>
+                      <a:endParaRPr lang="es-AR" dirty="0"/>
+                    </a:p>
+                  </a:txBody>
+                  <a:tcPr/>
+                </a:tc>
+              </a:tr>
+              <a:tr h="369838">
+                <a:tc>
+                  <a:txBody>
+                    <a:bodyPr/>
+                    <a:lstStyle/>
+                    <a:p>
+                      <a:r>
+                        <a:rPr lang="es-AR" dirty="0" smtClean="0"/>
+                        <a:t>D</a:t>
+                      </a:r>
+                      <a:endParaRPr lang="es-AR" dirty="0"/>
+                    </a:p>
+                  </a:txBody>
+                  <a:tcPr/>
+                </a:tc>
+                <a:tc>
+                  <a:txBody>
+                    <a:bodyPr/>
+                    <a:lstStyle/>
+                    <a:p>
+                      <a:r>
+                        <a:rPr lang="es-AR" dirty="0" smtClean="0"/>
+                        <a:t>2</a:t>
+                      </a:r>
+                      <a:endParaRPr lang="es-AR" dirty="0"/>
+                    </a:p>
+                  </a:txBody>
+                  <a:tcPr/>
+                </a:tc>
+                <a:tc>
+                  <a:txBody>
+                    <a:bodyPr/>
+                    <a:lstStyle/>
+                    <a:p>
+                      <a:r>
+                        <a:rPr lang="es-AR" dirty="0" smtClean="0"/>
+                        <a:t>5</a:t>
+                      </a:r>
+                      <a:endParaRPr lang="es-AR" dirty="0"/>
+                    </a:p>
+                  </a:txBody>
+                  <a:tcPr/>
+                </a:tc>
+                <a:tc>
+                  <a:txBody>
+                    <a:bodyPr/>
+                    <a:lstStyle/>
+                    <a:p>
+                      <a:r>
+                        <a:rPr lang="es-AR" dirty="0" smtClean="0"/>
+                        <a:t>2</a:t>
+                      </a:r>
+                      <a:endParaRPr lang="es-AR" dirty="0"/>
+                    </a:p>
+                  </a:txBody>
+                  <a:tcPr/>
+                </a:tc>
+                <a:tc>
+                  <a:txBody>
+                    <a:bodyPr/>
+                    <a:lstStyle/>
+                    <a:p>
+                      <a:r>
+                        <a:rPr lang="es-AR" dirty="0" smtClean="0"/>
+                        <a:t>No Triangulo</a:t>
+                      </a:r>
+                      <a:endParaRPr lang="es-AR" dirty="0"/>
+                    </a:p>
+                  </a:txBody>
+                  <a:tcPr/>
+                </a:tc>
+              </a:tr>
+              <a:tr h="369838">
+                <a:tc>
+                  <a:txBody>
+                    <a:bodyPr/>
+                    <a:lstStyle/>
+                    <a:p>
+                      <a:r>
+                        <a:rPr lang="es-AR" dirty="0" smtClean="0"/>
+                        <a:t>E</a:t>
+                      </a:r>
+                      <a:endParaRPr lang="es-AR" dirty="0"/>
+                    </a:p>
+                  </a:txBody>
+                  <a:tcPr/>
+                </a:tc>
+                <a:tc>
+                  <a:txBody>
+                    <a:bodyPr/>
+                    <a:lstStyle/>
+                    <a:p>
+                      <a:r>
+                        <a:rPr lang="es-AR" dirty="0" smtClean="0"/>
+                        <a:t>5</a:t>
+                      </a:r>
+                      <a:endParaRPr lang="es-AR" dirty="0"/>
+                    </a:p>
+                  </a:txBody>
+                  <a:tcPr/>
+                </a:tc>
+                <a:tc>
+                  <a:txBody>
+                    <a:bodyPr/>
+                    <a:lstStyle/>
+                    <a:p>
+                      <a:r>
+                        <a:rPr lang="es-AR" dirty="0" smtClean="0"/>
+                        <a:t>5</a:t>
+                      </a:r>
+                      <a:endParaRPr lang="es-AR" dirty="0"/>
+                    </a:p>
+                  </a:txBody>
+                  <a:tcPr/>
+                </a:tc>
+                <a:tc>
+                  <a:txBody>
+                    <a:bodyPr/>
+                    <a:lstStyle/>
+                    <a:p>
+                      <a:r>
+                        <a:rPr lang="es-AR" dirty="0" smtClean="0"/>
+                        <a:t>5</a:t>
+                      </a:r>
+                      <a:endParaRPr lang="es-AR" dirty="0"/>
+                    </a:p>
+                  </a:txBody>
+                  <a:tcPr/>
+                </a:tc>
+                <a:tc>
+                  <a:txBody>
+                    <a:bodyPr/>
+                    <a:lstStyle/>
+                    <a:p>
+                      <a:r>
+                        <a:rPr lang="es-AR" dirty="0" smtClean="0"/>
+                        <a:t>Equilátero</a:t>
+                      </a:r>
+                      <a:endParaRPr lang="es-AR" dirty="0"/>
+                    </a:p>
+                  </a:txBody>
+                  <a:tcPr/>
+                </a:tc>
+              </a:tr>
+              <a:tr h="330822">
+                <a:tc>
+                  <a:txBody>
+                    <a:bodyPr/>
+                    <a:lstStyle/>
+                    <a:p>
+                      <a:r>
+                        <a:rPr lang="es-AR" dirty="0" smtClean="0"/>
+                        <a:t>F</a:t>
+                      </a:r>
+                      <a:endParaRPr lang="es-AR" dirty="0"/>
+                    </a:p>
+                  </a:txBody>
+                  <a:tcPr/>
+                </a:tc>
+                <a:tc>
+                  <a:txBody>
+                    <a:bodyPr/>
+                    <a:lstStyle/>
+                    <a:p>
+                      <a:r>
+                        <a:rPr lang="es-AR" dirty="0" smtClean="0"/>
+                        <a:t>7</a:t>
+                      </a:r>
+                      <a:endParaRPr lang="es-AR" dirty="0"/>
+                    </a:p>
+                  </a:txBody>
+                  <a:tcPr/>
+                </a:tc>
+                <a:tc>
+                  <a:txBody>
+                    <a:bodyPr/>
+                    <a:lstStyle/>
+                    <a:p>
+                      <a:r>
+                        <a:rPr lang="es-AR" dirty="0" smtClean="0"/>
+                        <a:t>5</a:t>
+                      </a:r>
+                      <a:endParaRPr lang="es-AR" dirty="0"/>
+                    </a:p>
+                  </a:txBody>
+                  <a:tcPr/>
+                </a:tc>
+                <a:tc>
+                  <a:txBody>
+                    <a:bodyPr/>
+                    <a:lstStyle/>
+                    <a:p>
+                      <a:r>
+                        <a:rPr lang="es-AR" dirty="0" smtClean="0"/>
+                        <a:t>5</a:t>
+                      </a:r>
+                      <a:endParaRPr lang="es-AR" dirty="0"/>
+                    </a:p>
+                  </a:txBody>
+                  <a:tcPr/>
+                </a:tc>
+                <a:tc>
+                  <a:txBody>
+                    <a:bodyPr/>
+                    <a:lstStyle/>
+                    <a:p>
+                      <a:r>
+                        <a:rPr lang="es-AR" smtClean="0"/>
+                        <a:t>Isósceles</a:t>
+                      </a:r>
+                      <a:endParaRPr lang="es-AR" dirty="0"/>
+                    </a:p>
+                  </a:txBody>
+                  <a:tcPr/>
+                </a:tc>
+              </a:tr>
+              <a:tr h="330822">
+                <a:tc>
+                  <a:txBody>
+                    <a:bodyPr/>
+                    <a:lstStyle/>
+                    <a:p>
+                      <a:r>
+                        <a:rPr lang="es-AR" dirty="0" smtClean="0"/>
+                        <a:t>G</a:t>
+                      </a:r>
+                      <a:endParaRPr lang="es-AR" dirty="0"/>
+                    </a:p>
+                  </a:txBody>
+                  <a:tcPr/>
+                </a:tc>
+                <a:tc>
+                  <a:txBody>
+                    <a:bodyPr/>
+                    <a:lstStyle/>
+                    <a:p>
+                      <a:r>
+                        <a:rPr lang="es-AR" dirty="0" smtClean="0"/>
+                        <a:t>5</a:t>
+                      </a:r>
+                      <a:endParaRPr lang="es-AR" dirty="0"/>
+                    </a:p>
+                  </a:txBody>
+                  <a:tcPr/>
+                </a:tc>
+                <a:tc>
+                  <a:txBody>
+                    <a:bodyPr/>
+                    <a:lstStyle/>
+                    <a:p>
+                      <a:r>
+                        <a:rPr lang="es-AR" dirty="0" smtClean="0"/>
+                        <a:t>6</a:t>
+                      </a:r>
+                      <a:endParaRPr lang="es-AR" dirty="0"/>
+                    </a:p>
+                  </a:txBody>
+                  <a:tcPr/>
+                </a:tc>
+                <a:tc>
+                  <a:txBody>
+                    <a:bodyPr/>
+                    <a:lstStyle/>
+                    <a:p>
+                      <a:r>
+                        <a:rPr lang="es-AR" dirty="0" smtClean="0"/>
+                        <a:t>7</a:t>
+                      </a:r>
+                      <a:endParaRPr lang="es-AR" dirty="0"/>
+                    </a:p>
+                  </a:txBody>
+                  <a:tcPr/>
+                </a:tc>
+                <a:tc>
+                  <a:txBody>
+                    <a:bodyPr/>
+                    <a:lstStyle/>
+                    <a:p>
+                      <a:r>
+                        <a:rPr lang="es-AR" dirty="0" smtClean="0"/>
+                        <a:t>Escaleno</a:t>
+                      </a:r>
+                      <a:endParaRPr lang="es-AR" dirty="0"/>
+                    </a:p>
+                  </a:txBody>
+                  <a:tcPr/>
+                </a:tc>
+              </a:tr>
+            </a:tbl>
+          </a:graphicData>
+        </a:graphic>
+      </p:graphicFrame>
+    </p:spTree>
+    <p:extLst>
+      <p:ext uri="{BB962C8B-B14F-4D97-AF65-F5344CB8AC3E}">
+        <p14:creationId xmlns:p14="http://schemas.microsoft.com/office/powerpoint/2010/main" val="1704302919"/>
+      </p:ext>
+    </p:extLst>
+  </p:cSld>
+  <p:clrMapOvr>
+    <a:masterClrMapping/>
+  </p:clrMapOvr>
+</p:sld>
+</file>
+
+<file path=ppt/slides/slide5.xml><?xml version="1.0" encoding="utf-8"?>
+<p:sld xmlns:a="http://schemas.openxmlformats.org/drawingml/2006/main" xmlns:r="http://schemas.openxmlformats.org/officeDocument/2006/relationships" xmlns:p="http://schemas.openxmlformats.org/presentationml/2006/main">
+  <p:cSld>
+    <p:spTree>
+      <p:nvGrpSpPr>
+        <p:cNvPr id="1" name=""/>
+        <p:cNvGrpSpPr/>
+        <p:nvPr/>
+      </p:nvGrpSpPr>
+      <p:grpSpPr>
+        <a:xfrm>
+          <a:off x="0" y="0"/>
+          <a:ext cx="0" cy="0"/>
+          <a:chOff x="0" y="0"/>
+          <a:chExt cx="0" cy="0"/>
+        </a:xfrm>
+      </p:grpSpPr>
       <p:pic>
         <p:nvPicPr>
           <p:cNvPr id="4" name="Imagen 3">
             <a:extLst>
               <a:ext uri="{FF2B5EF4-FFF2-40B4-BE49-F238E27FC236}">
-                <a16:creationId xmlns:a16="http://schemas.microsoft.com/office/drawing/2014/main" xmlns="" id="{360E3696-B415-4E23-9AB1-FE647E8069C4}"/>
+                <a16:creationId xmlns="" xmlns:a16="http://schemas.microsoft.com/office/drawing/2014/main" id="{360E3696-B415-4E23-9AB1-FE647E8069C4}"/>
               </a:ext>
             </a:extLst>
           </p:cNvPr>
@@ -6134,7 +6765,7 @@
           <p:cNvPr id="5" name="Imagen 4">
             <a:extLst>
               <a:ext uri="{FF2B5EF4-FFF2-40B4-BE49-F238E27FC236}">
-                <a16:creationId xmlns:a16="http://schemas.microsoft.com/office/drawing/2014/main" xmlns="" id="{4B4680B1-AD62-46E9-AB71-2D6852F68508}"/>
+                <a16:creationId xmlns="" xmlns:a16="http://schemas.microsoft.com/office/drawing/2014/main" id="{4B4680B1-AD62-46E9-AB71-2D6852F68508}"/>
               </a:ext>
             </a:extLst>
           </p:cNvPr>
